--- a/GPipe.pptx
+++ b/GPipe.pptx
@@ -491,6 +491,399 @@
 </c:chartSpace>
 </file>
 
+<file path=ppt/charts/chart2.xml><?xml version="1.0" encoding="utf-8"?>
+<c:chartSpace xmlns:c="http://schemas.openxmlformats.org/drawingml/2006/chart" xmlns:a="http://schemas.openxmlformats.org/drawingml/2006/main" xmlns:r="http://schemas.openxmlformats.org/officeDocument/2006/relationships" xmlns:c16r2="http://schemas.microsoft.com/office/drawing/2015/06/chart">
+  <c:date1904 val="0"/>
+  <c:lang val="zh-CN"/>
+  <c:roundedCorners val="0"/>
+  <mc:AlternateContent xmlns:mc="http://schemas.openxmlformats.org/markup-compatibility/2006">
+    <mc:Choice xmlns:c14="http://schemas.microsoft.com/office/drawing/2007/8/2/chart" Requires="c14">
+      <c14:style val="102"/>
+    </mc:Choice>
+    <mc:Fallback>
+      <c:style val="2"/>
+    </mc:Fallback>
+  </mc:AlternateContent>
+  <c:chart>
+    <c:title>
+      <c:tx>
+        <c:rich>
+          <a:bodyPr rot="0" spcFirstLastPara="1" vertOverflow="ellipsis" vert="horz" wrap="square" anchor="ctr" anchorCtr="1"/>
+          <a:lstStyle/>
+          <a:p>
+            <a:pPr>
+              <a:defRPr sz="1400" b="0" i="0" u="none" strike="noStrike" kern="1200" cap="none" spc="20" baseline="0">
+                <a:solidFill>
+                  <a:schemeClr val="dk1">
+                    <a:lumMod val="50000"/>
+                    <a:lumOff val="50000"/>
+                  </a:schemeClr>
+                </a:solidFill>
+                <a:latin typeface="+mn-lt"/>
+                <a:ea typeface="+mn-ea"/>
+                <a:cs typeface="+mn-cs"/>
+              </a:defRPr>
+            </a:pPr>
+            <a:r>
+              <a:rPr lang="en-US"/>
+              <a:t>U-net(5, 64) speed up</a:t>
+            </a:r>
+            <a:endParaRPr lang="zh-CN"/>
+          </a:p>
+        </c:rich>
+      </c:tx>
+      <c:overlay val="0"/>
+      <c:spPr>
+        <a:noFill/>
+        <a:ln>
+          <a:noFill/>
+        </a:ln>
+        <a:effectLst/>
+      </c:spPr>
+      <c:txPr>
+        <a:bodyPr rot="0" spcFirstLastPara="1" vertOverflow="ellipsis" vert="horz" wrap="square" anchor="ctr" anchorCtr="1"/>
+        <a:lstStyle/>
+        <a:p>
+          <a:pPr>
+            <a:defRPr sz="1400" b="0" i="0" u="none" strike="noStrike" kern="1200" cap="none" spc="20" baseline="0">
+              <a:solidFill>
+                <a:schemeClr val="dk1">
+                  <a:lumMod val="50000"/>
+                  <a:lumOff val="50000"/>
+                </a:schemeClr>
+              </a:solidFill>
+              <a:latin typeface="+mn-lt"/>
+              <a:ea typeface="+mn-ea"/>
+              <a:cs typeface="+mn-cs"/>
+            </a:defRPr>
+          </a:pPr>
+          <a:endParaRPr lang="zh-CN"/>
+        </a:p>
+      </c:txPr>
+    </c:title>
+    <c:autoTitleDeleted val="0"/>
+    <c:plotArea>
+      <c:layout/>
+      <c:scatterChart>
+        <c:scatterStyle val="lineMarker"/>
+        <c:varyColors val="0"/>
+        <c:ser>
+          <c:idx val="0"/>
+          <c:order val="0"/>
+          <c:spPr>
+            <a:ln w="9525" cap="flat" cmpd="sng" algn="ctr">
+              <a:solidFill>
+                <a:schemeClr val="accent6">
+                  <a:alpha val="70000"/>
+                </a:schemeClr>
+              </a:solidFill>
+              <a:prstDash val="sysDot"/>
+              <a:round/>
+            </a:ln>
+            <a:effectLst/>
+          </c:spPr>
+          <c:marker>
+            <c:symbol val="circle"/>
+            <c:size val="5"/>
+            <c:spPr>
+              <a:gradFill rotWithShape="1">
+                <a:gsLst>
+                  <a:gs pos="0">
+                    <a:schemeClr val="accent6">
+                      <a:tint val="65000"/>
+                      <a:shade val="92000"/>
+                      <a:satMod val="130000"/>
+                    </a:schemeClr>
+                  </a:gs>
+                  <a:gs pos="45000">
+                    <a:schemeClr val="accent6">
+                      <a:tint val="60000"/>
+                      <a:shade val="99000"/>
+                      <a:satMod val="120000"/>
+                    </a:schemeClr>
+                  </a:gs>
+                  <a:gs pos="100000">
+                    <a:schemeClr val="accent6">
+                      <a:tint val="55000"/>
+                      <a:satMod val="140000"/>
+                    </a:schemeClr>
+                  </a:gs>
+                </a:gsLst>
+                <a:path path="circle">
+                  <a:fillToRect l="100000" t="100000" r="100000" b="100000"/>
+                </a:path>
+              </a:gradFill>
+              <a:ln w="9525" cap="flat" cmpd="sng" algn="ctr">
+                <a:solidFill>
+                  <a:schemeClr val="accent6">
+                    <a:shade val="95000"/>
+                  </a:schemeClr>
+                </a:solidFill>
+                <a:round/>
+              </a:ln>
+              <a:effectLst/>
+            </c:spPr>
+          </c:marker>
+          <c:trendline>
+            <c:spPr>
+              <a:ln w="9525" cap="rnd">
+                <a:solidFill>
+                  <a:schemeClr val="accent6"/>
+                </a:solidFill>
+              </a:ln>
+              <a:effectLst/>
+            </c:spPr>
+            <c:trendlineType val="linear"/>
+            <c:dispRSqr val="0"/>
+            <c:dispEq val="0"/>
+          </c:trendline>
+          <c:xVal>
+            <c:numRef>
+              <c:f>Sheet1!$A$1:$A$8</c:f>
+              <c:numCache>
+                <c:formatCode>General</c:formatCode>
+                <c:ptCount val="8"/>
+                <c:pt idx="0">
+                  <c:v>1</c:v>
+                </c:pt>
+                <c:pt idx="1">
+                  <c:v>2</c:v>
+                </c:pt>
+                <c:pt idx="2">
+                  <c:v>3</c:v>
+                </c:pt>
+                <c:pt idx="3">
+                  <c:v>4</c:v>
+                </c:pt>
+                <c:pt idx="4">
+                  <c:v>5</c:v>
+                </c:pt>
+                <c:pt idx="5">
+                  <c:v>6</c:v>
+                </c:pt>
+                <c:pt idx="6">
+                  <c:v>7</c:v>
+                </c:pt>
+                <c:pt idx="7">
+                  <c:v>8</c:v>
+                </c:pt>
+              </c:numCache>
+            </c:numRef>
+          </c:xVal>
+          <c:yVal>
+            <c:numRef>
+              <c:f>Sheet1!$B$1:$B$8</c:f>
+              <c:numCache>
+                <c:formatCode>General</c:formatCode>
+                <c:ptCount val="8"/>
+                <c:pt idx="0">
+                  <c:v>0.85799999999999998</c:v>
+                </c:pt>
+                <c:pt idx="1">
+                  <c:v>1.246</c:v>
+                </c:pt>
+                <c:pt idx="3">
+                  <c:v>2.3519999999999999</c:v>
+                </c:pt>
+                <c:pt idx="7">
+                  <c:v>3.105</c:v>
+                </c:pt>
+              </c:numCache>
+            </c:numRef>
+          </c:yVal>
+          <c:smooth val="0"/>
+          <c:extLst>
+            <c:ext xmlns:c16="http://schemas.microsoft.com/office/drawing/2014/chart" uri="{C3380CC4-5D6E-409C-BE32-E72D297353CC}">
+              <c16:uniqueId val="{00000001-6B61-4DD9-BA3D-597831DF6809}"/>
+            </c:ext>
+          </c:extLst>
+        </c:ser>
+        <c:dLbls>
+          <c:showLegendKey val="0"/>
+          <c:showVal val="0"/>
+          <c:showCatName val="0"/>
+          <c:showSerName val="0"/>
+          <c:showPercent val="0"/>
+          <c:showBubbleSize val="0"/>
+        </c:dLbls>
+        <c:axId val="663081104"/>
+        <c:axId val="663081424"/>
+      </c:scatterChart>
+      <c:valAx>
+        <c:axId val="663081104"/>
+        <c:scaling>
+          <c:orientation val="minMax"/>
+        </c:scaling>
+        <c:delete val="0"/>
+        <c:axPos val="b"/>
+        <c:majorGridlines>
+          <c:spPr>
+            <a:ln w="9525" cap="flat" cmpd="sng" algn="ctr">
+              <a:solidFill>
+                <a:schemeClr val="dk1">
+                  <a:lumMod val="15000"/>
+                  <a:lumOff val="85000"/>
+                </a:schemeClr>
+              </a:solidFill>
+              <a:round/>
+            </a:ln>
+            <a:effectLst/>
+          </c:spPr>
+        </c:majorGridlines>
+        <c:numFmt formatCode="General" sourceLinked="1"/>
+        <c:majorTickMark val="none"/>
+        <c:minorTickMark val="none"/>
+        <c:tickLblPos val="nextTo"/>
+        <c:spPr>
+          <a:noFill/>
+          <a:ln w="9525" cap="rnd">
+            <a:solidFill>
+              <a:schemeClr val="dk1">
+                <a:lumMod val="20000"/>
+                <a:lumOff val="80000"/>
+              </a:schemeClr>
+            </a:solidFill>
+            <a:round/>
+          </a:ln>
+          <a:effectLst/>
+        </c:spPr>
+        <c:txPr>
+          <a:bodyPr rot="-60000000" spcFirstLastPara="1" vertOverflow="ellipsis" vert="horz" wrap="square" anchor="ctr" anchorCtr="1"/>
+          <a:lstStyle/>
+          <a:p>
+            <a:pPr>
+              <a:defRPr sz="900" b="0" i="0" u="none" strike="noStrike" kern="1200" spc="0" baseline="0">
+                <a:solidFill>
+                  <a:schemeClr val="dk1">
+                    <a:lumMod val="65000"/>
+                    <a:lumOff val="35000"/>
+                  </a:schemeClr>
+                </a:solidFill>
+                <a:latin typeface="+mn-lt"/>
+                <a:ea typeface="+mn-ea"/>
+                <a:cs typeface="+mn-cs"/>
+              </a:defRPr>
+            </a:pPr>
+            <a:endParaRPr lang="zh-CN"/>
+          </a:p>
+        </c:txPr>
+        <c:crossAx val="663081424"/>
+        <c:crosses val="autoZero"/>
+        <c:crossBetween val="midCat"/>
+      </c:valAx>
+      <c:valAx>
+        <c:axId val="663081424"/>
+        <c:scaling>
+          <c:orientation val="minMax"/>
+        </c:scaling>
+        <c:delete val="0"/>
+        <c:axPos val="l"/>
+        <c:majorGridlines>
+          <c:spPr>
+            <a:ln w="9525" cap="flat" cmpd="sng" algn="ctr">
+              <a:solidFill>
+                <a:schemeClr val="dk1">
+                  <a:lumMod val="15000"/>
+                  <a:lumOff val="85000"/>
+                </a:schemeClr>
+              </a:solidFill>
+              <a:round/>
+            </a:ln>
+            <a:effectLst/>
+          </c:spPr>
+        </c:majorGridlines>
+        <c:numFmt formatCode="General" sourceLinked="1"/>
+        <c:majorTickMark val="none"/>
+        <c:minorTickMark val="none"/>
+        <c:tickLblPos val="nextTo"/>
+        <c:spPr>
+          <a:noFill/>
+          <a:ln w="9525" cap="rnd">
+            <a:solidFill>
+              <a:schemeClr val="dk1">
+                <a:lumMod val="25000"/>
+                <a:lumOff val="75000"/>
+              </a:schemeClr>
+            </a:solidFill>
+            <a:round/>
+          </a:ln>
+          <a:effectLst/>
+        </c:spPr>
+        <c:txPr>
+          <a:bodyPr rot="-60000000" spcFirstLastPara="1" vertOverflow="ellipsis" vert="horz" wrap="square" anchor="ctr" anchorCtr="1"/>
+          <a:lstStyle/>
+          <a:p>
+            <a:pPr>
+              <a:defRPr sz="900" b="0" i="0" u="none" strike="noStrike" kern="1200" spc="0" baseline="0">
+                <a:solidFill>
+                  <a:schemeClr val="dk1">
+                    <a:lumMod val="65000"/>
+                    <a:lumOff val="35000"/>
+                  </a:schemeClr>
+                </a:solidFill>
+                <a:latin typeface="+mn-lt"/>
+                <a:ea typeface="+mn-ea"/>
+                <a:cs typeface="+mn-cs"/>
+              </a:defRPr>
+            </a:pPr>
+            <a:endParaRPr lang="zh-CN"/>
+          </a:p>
+        </c:txPr>
+        <c:crossAx val="663081104"/>
+        <c:crosses val="autoZero"/>
+        <c:crossBetween val="midCat"/>
+      </c:valAx>
+      <c:spPr>
+        <a:gradFill>
+          <a:gsLst>
+            <a:gs pos="100000">
+              <a:schemeClr val="lt1">
+                <a:lumMod val="95000"/>
+              </a:schemeClr>
+            </a:gs>
+            <a:gs pos="0">
+              <a:schemeClr val="lt1">
+                <a:alpha val="0"/>
+              </a:schemeClr>
+            </a:gs>
+          </a:gsLst>
+          <a:lin ang="5400000" scaled="0"/>
+        </a:gradFill>
+        <a:ln>
+          <a:noFill/>
+        </a:ln>
+        <a:effectLst/>
+      </c:spPr>
+    </c:plotArea>
+    <c:plotVisOnly val="1"/>
+    <c:dispBlanksAs val="gap"/>
+    <c:showDLblsOverMax val="0"/>
+  </c:chart>
+  <c:spPr>
+    <a:solidFill>
+      <a:schemeClr val="lt1"/>
+    </a:solidFill>
+    <a:ln>
+      <a:noFill/>
+    </a:ln>
+    <a:effectLst/>
+  </c:spPr>
+  <c:txPr>
+    <a:bodyPr/>
+    <a:lstStyle/>
+    <a:p>
+      <a:pPr>
+        <a:defRPr/>
+      </a:pPr>
+      <a:endParaRPr lang="zh-CN"/>
+    </a:p>
+  </c:txPr>
+  <c:externalData r:id="rId3">
+    <c:autoUpdate val="0"/>
+  </c:externalData>
+</c:chartSpace>
+</file>
+
 <file path=ppt/charts/colors1.xml><?xml version="1.0" encoding="utf-8"?>
 <cs:colorStyle xmlns:cs="http://schemas.microsoft.com/office/drawing/2012/chartStyle" xmlns:a="http://schemas.openxmlformats.org/drawingml/2006/main" meth="cycle" id="10">
   <a:schemeClr val="accent1"/>
@@ -499,6 +892,43 @@
   <a:schemeClr val="accent4"/>
   <a:schemeClr val="accent5"/>
   <a:schemeClr val="accent6"/>
+  <cs:variation/>
+  <cs:variation>
+    <a:lumMod val="60000"/>
+  </cs:variation>
+  <cs:variation>
+    <a:lumMod val="80000"/>
+    <a:lumOff val="20000"/>
+  </cs:variation>
+  <cs:variation>
+    <a:lumMod val="80000"/>
+  </cs:variation>
+  <cs:variation>
+    <a:lumMod val="60000"/>
+    <a:lumOff val="40000"/>
+  </cs:variation>
+  <cs:variation>
+    <a:lumMod val="50000"/>
+  </cs:variation>
+  <cs:variation>
+    <a:lumMod val="70000"/>
+    <a:lumOff val="30000"/>
+  </cs:variation>
+  <cs:variation>
+    <a:lumMod val="70000"/>
+  </cs:variation>
+  <cs:variation>
+    <a:lumMod val="50000"/>
+    <a:lumOff val="50000"/>
+  </cs:variation>
+</cs:colorStyle>
+</file>
+
+<file path=ppt/charts/colors2.xml><?xml version="1.0" encoding="utf-8"?>
+<cs:colorStyle xmlns:cs="http://schemas.microsoft.com/office/drawing/2012/chartStyle" xmlns:a="http://schemas.openxmlformats.org/drawingml/2006/main" meth="cycle" id="13">
+  <a:schemeClr val="accent6"/>
+  <a:schemeClr val="accent5"/>
+  <a:schemeClr val="accent4"/>
   <cs:variation/>
   <cs:variation>
     <a:lumMod val="60000"/>
@@ -1034,6 +1464,557 @@
 </cs:chartStyle>
 </file>
 
+<file path=ppt/charts/style2.xml><?xml version="1.0" encoding="utf-8"?>
+<cs:chartStyle xmlns:cs="http://schemas.microsoft.com/office/drawing/2012/chartStyle" xmlns:a="http://schemas.openxmlformats.org/drawingml/2006/main" id="246">
+  <cs:axisTitle>
+    <cs:lnRef idx="0"/>
+    <cs:fillRef idx="0"/>
+    <cs:effectRef idx="0"/>
+    <cs:fontRef idx="minor">
+      <a:schemeClr val="dk1">
+        <a:lumMod val="65000"/>
+        <a:lumOff val="35000"/>
+      </a:schemeClr>
+    </cs:fontRef>
+    <cs:defRPr sz="900" kern="1200"/>
+  </cs:axisTitle>
+  <cs:categoryAxis>
+    <cs:lnRef idx="0"/>
+    <cs:fillRef idx="0"/>
+    <cs:effectRef idx="0"/>
+    <cs:fontRef idx="minor">
+      <a:schemeClr val="dk1">
+        <a:lumMod val="65000"/>
+        <a:lumOff val="35000"/>
+      </a:schemeClr>
+    </cs:fontRef>
+    <cs:spPr>
+      <a:ln w="9525" cap="rnd">
+        <a:solidFill>
+          <a:schemeClr val="dk1">
+            <a:lumMod val="20000"/>
+            <a:lumOff val="80000"/>
+          </a:schemeClr>
+        </a:solidFill>
+        <a:round/>
+      </a:ln>
+    </cs:spPr>
+    <cs:defRPr sz="900" kern="1200"/>
+  </cs:categoryAxis>
+  <cs:chartArea mods="allowNoLineOverride">
+    <cs:lnRef idx="0"/>
+    <cs:fillRef idx="0"/>
+    <cs:effectRef idx="0"/>
+    <cs:fontRef idx="minor">
+      <a:schemeClr val="dk1"/>
+    </cs:fontRef>
+    <cs:spPr>
+      <a:solidFill>
+        <a:schemeClr val="lt1"/>
+      </a:solidFill>
+      <a:ln w="9525" cap="flat" cmpd="sng" algn="ctr">
+        <a:solidFill>
+          <a:schemeClr val="dk1">
+            <a:lumMod val="15000"/>
+            <a:lumOff val="85000"/>
+          </a:schemeClr>
+        </a:solidFill>
+        <a:round/>
+      </a:ln>
+    </cs:spPr>
+    <cs:defRPr sz="900" kern="1200"/>
+  </cs:chartArea>
+  <cs:dataLabel>
+    <cs:lnRef idx="0"/>
+    <cs:fillRef idx="0"/>
+    <cs:effectRef idx="0"/>
+    <cs:fontRef idx="minor">
+      <a:schemeClr val="dk1">
+        <a:lumMod val="65000"/>
+        <a:lumOff val="35000"/>
+      </a:schemeClr>
+    </cs:fontRef>
+    <cs:defRPr sz="900" kern="1200"/>
+  </cs:dataLabel>
+  <cs:dataLabelCallout>
+    <cs:lnRef idx="0"/>
+    <cs:fillRef idx="0"/>
+    <cs:effectRef idx="0"/>
+    <cs:fontRef idx="minor">
+      <a:schemeClr val="dk1">
+        <a:lumMod val="65000"/>
+        <a:lumOff val="35000"/>
+      </a:schemeClr>
+    </cs:fontRef>
+    <cs:spPr>
+      <a:solidFill>
+        <a:schemeClr val="lt1"/>
+      </a:solidFill>
+      <a:ln>
+        <a:solidFill>
+          <a:schemeClr val="dk1">
+            <a:lumMod val="25000"/>
+            <a:lumOff val="75000"/>
+          </a:schemeClr>
+        </a:solidFill>
+      </a:ln>
+    </cs:spPr>
+    <cs:defRPr sz="900" kern="1200"/>
+    <cs:bodyPr rot="0" spcFirstLastPara="1" vertOverflow="clip" horzOverflow="clip" vert="horz" wrap="square" lIns="36576" tIns="18288" rIns="36576" bIns="18288" anchor="ctr" anchorCtr="1">
+      <a:spAutoFit/>
+    </cs:bodyPr>
+  </cs:dataLabelCallout>
+  <cs:dataPoint>
+    <cs:lnRef idx="0">
+      <cs:styleClr val="auto"/>
+    </cs:lnRef>
+    <cs:fillRef idx="2">
+      <cs:styleClr val="auto"/>
+    </cs:fillRef>
+    <cs:effectRef idx="1"/>
+    <cs:fontRef idx="minor">
+      <a:schemeClr val="dk1"/>
+    </cs:fontRef>
+    <cs:spPr>
+      <a:ln w="9525" cap="flat" cmpd="sng" algn="ctr">
+        <a:solidFill>
+          <a:schemeClr val="phClr">
+            <a:shade val="95000"/>
+          </a:schemeClr>
+        </a:solidFill>
+        <a:round/>
+      </a:ln>
+    </cs:spPr>
+  </cs:dataPoint>
+  <cs:dataPoint3D>
+    <cs:lnRef idx="0">
+      <cs:styleClr val="auto"/>
+    </cs:lnRef>
+    <cs:fillRef idx="2">
+      <cs:styleClr val="auto"/>
+    </cs:fillRef>
+    <cs:effectRef idx="1"/>
+    <cs:fontRef idx="minor">
+      <a:schemeClr val="dk1"/>
+    </cs:fontRef>
+    <cs:spPr>
+      <a:ln w="9525" cap="flat" cmpd="sng" algn="ctr">
+        <a:solidFill>
+          <a:schemeClr val="phClr">
+            <a:shade val="95000"/>
+          </a:schemeClr>
+        </a:solidFill>
+        <a:round/>
+      </a:ln>
+    </cs:spPr>
+  </cs:dataPoint3D>
+  <cs:dataPointLine>
+    <cs:lnRef idx="0">
+      <cs:styleClr val="auto"/>
+    </cs:lnRef>
+    <cs:fillRef idx="2"/>
+    <cs:effectRef idx="1"/>
+    <cs:fontRef idx="minor">
+      <a:schemeClr val="dk1"/>
+    </cs:fontRef>
+    <cs:spPr>
+      <a:ln w="9525" cap="flat" cmpd="sng" algn="ctr">
+        <a:solidFill>
+          <a:schemeClr val="phClr">
+            <a:alpha val="70000"/>
+          </a:schemeClr>
+        </a:solidFill>
+        <a:prstDash val="sysDot"/>
+        <a:round/>
+      </a:ln>
+    </cs:spPr>
+  </cs:dataPointLine>
+  <cs:dataPointMarker>
+    <cs:lnRef idx="0">
+      <cs:styleClr val="auto"/>
+    </cs:lnRef>
+    <cs:fillRef idx="2">
+      <cs:styleClr val="auto"/>
+    </cs:fillRef>
+    <cs:effectRef idx="1"/>
+    <cs:fontRef idx="minor">
+      <a:schemeClr val="dk1"/>
+    </cs:fontRef>
+    <cs:spPr>
+      <a:ln w="9525" cap="flat" cmpd="sng" algn="ctr">
+        <a:solidFill>
+          <a:schemeClr val="phClr">
+            <a:shade val="95000"/>
+          </a:schemeClr>
+        </a:solidFill>
+        <a:round/>
+      </a:ln>
+    </cs:spPr>
+  </cs:dataPointMarker>
+  <cs:dataPointMarkerLayout symbol="circle" size="5"/>
+  <cs:dataPointWireframe>
+    <cs:lnRef idx="0">
+      <cs:styleClr val="auto"/>
+    </cs:lnRef>
+    <cs:fillRef idx="0"/>
+    <cs:effectRef idx="0"/>
+    <cs:fontRef idx="minor">
+      <a:schemeClr val="dk1"/>
+    </cs:fontRef>
+    <cs:spPr>
+      <a:ln w="9525" cap="rnd">
+        <a:solidFill>
+          <a:schemeClr val="phClr"/>
+        </a:solidFill>
+        <a:round/>
+      </a:ln>
+    </cs:spPr>
+  </cs:dataPointWireframe>
+  <cs:dataTable>
+    <cs:lnRef idx="0"/>
+    <cs:fillRef idx="0"/>
+    <cs:effectRef idx="0"/>
+    <cs:fontRef idx="minor">
+      <a:schemeClr val="dk1">
+        <a:lumMod val="65000"/>
+        <a:lumOff val="35000"/>
+      </a:schemeClr>
+    </cs:fontRef>
+    <cs:spPr>
+      <a:ln w="9525" cap="rnd">
+        <a:solidFill>
+          <a:schemeClr val="dk1">
+            <a:lumMod val="15000"/>
+            <a:lumOff val="85000"/>
+          </a:schemeClr>
+        </a:solidFill>
+        <a:round/>
+      </a:ln>
+    </cs:spPr>
+    <cs:defRPr sz="900" kern="1200"/>
+  </cs:dataTable>
+  <cs:downBar>
+    <cs:lnRef idx="0"/>
+    <cs:fillRef idx="0"/>
+    <cs:effectRef idx="0"/>
+    <cs:fontRef idx="minor">
+      <a:schemeClr val="dk1"/>
+    </cs:fontRef>
+    <cs:spPr>
+      <a:solidFill>
+        <a:schemeClr val="dk1">
+          <a:lumMod val="75000"/>
+          <a:lumOff val="25000"/>
+        </a:schemeClr>
+      </a:solidFill>
+      <a:ln w="9525" cap="rnd">
+        <a:solidFill>
+          <a:schemeClr val="dk1">
+            <a:lumMod val="65000"/>
+            <a:lumOff val="35000"/>
+          </a:schemeClr>
+        </a:solidFill>
+        <a:round/>
+      </a:ln>
+    </cs:spPr>
+  </cs:downBar>
+  <cs:dropLine>
+    <cs:lnRef idx="0"/>
+    <cs:fillRef idx="0"/>
+    <cs:effectRef idx="0"/>
+    <cs:fontRef idx="minor">
+      <a:schemeClr val="dk1"/>
+    </cs:fontRef>
+    <cs:spPr>
+      <a:ln w="9525" cap="rnd">
+        <a:solidFill>
+          <a:schemeClr val="dk1">
+            <a:lumMod val="35000"/>
+            <a:lumOff val="65000"/>
+          </a:schemeClr>
+        </a:solidFill>
+        <a:round/>
+      </a:ln>
+    </cs:spPr>
+  </cs:dropLine>
+  <cs:errorBar>
+    <cs:lnRef idx="0"/>
+    <cs:fillRef idx="0"/>
+    <cs:effectRef idx="0"/>
+    <cs:fontRef idx="minor">
+      <a:schemeClr val="dk1"/>
+    </cs:fontRef>
+    <cs:spPr>
+      <a:ln w="9525" cap="rnd">
+        <a:solidFill>
+          <a:schemeClr val="dk1">
+            <a:lumMod val="65000"/>
+            <a:lumOff val="35000"/>
+          </a:schemeClr>
+        </a:solidFill>
+        <a:round/>
+      </a:ln>
+    </cs:spPr>
+  </cs:errorBar>
+  <cs:floor>
+    <cs:lnRef idx="0"/>
+    <cs:fillRef idx="0"/>
+    <cs:effectRef idx="0"/>
+    <cs:fontRef idx="minor">
+      <a:schemeClr val="dk1"/>
+    </cs:fontRef>
+  </cs:floor>
+  <cs:gridlineMajor>
+    <cs:lnRef idx="0"/>
+    <cs:fillRef idx="0"/>
+    <cs:effectRef idx="0"/>
+    <cs:fontRef idx="minor">
+      <a:schemeClr val="dk1"/>
+    </cs:fontRef>
+    <cs:spPr>
+      <a:ln w="9525" cap="flat" cmpd="sng" algn="ctr">
+        <a:solidFill>
+          <a:schemeClr val="dk1">
+            <a:lumMod val="15000"/>
+            <a:lumOff val="85000"/>
+          </a:schemeClr>
+        </a:solidFill>
+        <a:round/>
+      </a:ln>
+    </cs:spPr>
+  </cs:gridlineMajor>
+  <cs:gridlineMinor>
+    <cs:lnRef idx="0"/>
+    <cs:fillRef idx="0"/>
+    <cs:effectRef idx="0"/>
+    <cs:fontRef idx="minor">
+      <a:schemeClr val="dk1"/>
+    </cs:fontRef>
+    <cs:spPr>
+      <a:ln w="9525" cap="flat" cmpd="sng" algn="ctr">
+        <a:solidFill>
+          <a:schemeClr val="dk1">
+            <a:lumMod val="5000"/>
+            <a:lumOff val="95000"/>
+          </a:schemeClr>
+        </a:solidFill>
+        <a:round/>
+      </a:ln>
+    </cs:spPr>
+  </cs:gridlineMinor>
+  <cs:hiLoLine>
+    <cs:lnRef idx="0"/>
+    <cs:fillRef idx="0"/>
+    <cs:effectRef idx="0"/>
+    <cs:fontRef idx="minor">
+      <a:schemeClr val="dk1"/>
+    </cs:fontRef>
+    <cs:spPr>
+      <a:ln w="9525" cap="rnd">
+        <a:solidFill>
+          <a:schemeClr val="dk1">
+            <a:lumMod val="35000"/>
+            <a:lumOff val="65000"/>
+          </a:schemeClr>
+        </a:solidFill>
+        <a:round/>
+      </a:ln>
+    </cs:spPr>
+  </cs:hiLoLine>
+  <cs:leaderLine>
+    <cs:lnRef idx="0"/>
+    <cs:fillRef idx="0"/>
+    <cs:effectRef idx="0"/>
+    <cs:fontRef idx="minor">
+      <a:schemeClr val="dk1"/>
+    </cs:fontRef>
+    <cs:spPr>
+      <a:ln w="9525" cap="rnd">
+        <a:solidFill>
+          <a:schemeClr val="dk1">
+            <a:lumMod val="35000"/>
+            <a:lumOff val="65000"/>
+          </a:schemeClr>
+        </a:solidFill>
+        <a:round/>
+      </a:ln>
+    </cs:spPr>
+  </cs:leaderLine>
+  <cs:legend>
+    <cs:lnRef idx="0"/>
+    <cs:fillRef idx="0"/>
+    <cs:effectRef idx="0"/>
+    <cs:fontRef idx="minor">
+      <a:schemeClr val="dk1">
+        <a:lumMod val="65000"/>
+        <a:lumOff val="35000"/>
+      </a:schemeClr>
+    </cs:fontRef>
+    <cs:defRPr sz="900" kern="1200" spc="0" baseline="0"/>
+  </cs:legend>
+  <cs:plotArea>
+    <cs:lnRef idx="0"/>
+    <cs:fillRef idx="0"/>
+    <cs:effectRef idx="0"/>
+    <cs:fontRef idx="minor">
+      <a:schemeClr val="dk1"/>
+    </cs:fontRef>
+    <cs:spPr>
+      <a:gradFill>
+        <a:gsLst>
+          <a:gs pos="100000">
+            <a:schemeClr val="lt1">
+              <a:lumMod val="95000"/>
+            </a:schemeClr>
+          </a:gs>
+          <a:gs pos="0">
+            <a:schemeClr val="lt1">
+              <a:alpha val="0"/>
+            </a:schemeClr>
+          </a:gs>
+        </a:gsLst>
+        <a:lin ang="5400000" scaled="0"/>
+      </a:gradFill>
+    </cs:spPr>
+  </cs:plotArea>
+  <cs:plotArea3D>
+    <cs:lnRef idx="0"/>
+    <cs:fillRef idx="0"/>
+    <cs:effectRef idx="0"/>
+    <cs:fontRef idx="minor">
+      <a:schemeClr val="dk1"/>
+    </cs:fontRef>
+  </cs:plotArea3D>
+  <cs:seriesAxis>
+    <cs:lnRef idx="0"/>
+    <cs:fillRef idx="0"/>
+    <cs:effectRef idx="0"/>
+    <cs:fontRef idx="minor">
+      <a:schemeClr val="dk1">
+        <a:lumMod val="65000"/>
+        <a:lumOff val="35000"/>
+      </a:schemeClr>
+    </cs:fontRef>
+    <cs:spPr>
+      <a:ln w="9525" cap="rnd">
+        <a:solidFill>
+          <a:schemeClr val="dk1">
+            <a:lumMod val="20000"/>
+            <a:lumOff val="80000"/>
+          </a:schemeClr>
+        </a:solidFill>
+        <a:round/>
+      </a:ln>
+    </cs:spPr>
+    <cs:defRPr sz="900" kern="1200"/>
+  </cs:seriesAxis>
+  <cs:seriesLine>
+    <cs:lnRef idx="0"/>
+    <cs:fillRef idx="0"/>
+    <cs:effectRef idx="0"/>
+    <cs:fontRef idx="minor">
+      <a:schemeClr val="dk1"/>
+    </cs:fontRef>
+    <cs:spPr>
+      <a:ln w="9525" cap="rnd">
+        <a:solidFill>
+          <a:schemeClr val="dk1">
+            <a:lumMod val="35000"/>
+            <a:lumOff val="65000"/>
+          </a:schemeClr>
+        </a:solidFill>
+        <a:round/>
+      </a:ln>
+    </cs:spPr>
+  </cs:seriesLine>
+  <cs:title>
+    <cs:lnRef idx="0"/>
+    <cs:fillRef idx="0"/>
+    <cs:effectRef idx="0"/>
+    <cs:fontRef idx="minor">
+      <a:schemeClr val="dk1">
+        <a:lumMod val="50000"/>
+        <a:lumOff val="50000"/>
+      </a:schemeClr>
+    </cs:fontRef>
+    <cs:defRPr sz="1400" kern="1200" cap="none" spc="20" baseline="0"/>
+  </cs:title>
+  <cs:trendline>
+    <cs:lnRef idx="0">
+      <cs:styleClr val="auto"/>
+    </cs:lnRef>
+    <cs:fillRef idx="0"/>
+    <cs:effectRef idx="0"/>
+    <cs:fontRef idx="minor">
+      <a:schemeClr val="dk1"/>
+    </cs:fontRef>
+    <cs:spPr>
+      <a:ln w="9525" cap="rnd">
+        <a:solidFill>
+          <a:schemeClr val="phClr"/>
+        </a:solidFill>
+      </a:ln>
+    </cs:spPr>
+  </cs:trendline>
+  <cs:trendlineLabel>
+    <cs:lnRef idx="0"/>
+    <cs:fillRef idx="0"/>
+    <cs:effectRef idx="0"/>
+    <cs:fontRef idx="minor">
+      <a:schemeClr val="dk1">
+        <a:lumMod val="65000"/>
+        <a:lumOff val="35000"/>
+      </a:schemeClr>
+    </cs:fontRef>
+    <cs:defRPr sz="900" kern="1200"/>
+  </cs:trendlineLabel>
+  <cs:upBar>
+    <cs:lnRef idx="0"/>
+    <cs:fillRef idx="0"/>
+    <cs:effectRef idx="0"/>
+    <cs:fontRef idx="minor">
+      <a:schemeClr val="dk1"/>
+    </cs:fontRef>
+    <cs:spPr>
+      <a:solidFill>
+        <a:schemeClr val="lt1"/>
+      </a:solidFill>
+    </cs:spPr>
+  </cs:upBar>
+  <cs:valueAxis>
+    <cs:lnRef idx="0"/>
+    <cs:fillRef idx="0"/>
+    <cs:effectRef idx="0"/>
+    <cs:fontRef idx="minor">
+      <a:schemeClr val="dk1">
+        <a:lumMod val="65000"/>
+        <a:lumOff val="35000"/>
+      </a:schemeClr>
+    </cs:fontRef>
+    <cs:spPr>
+      <a:ln w="9525" cap="rnd">
+        <a:solidFill>
+          <a:schemeClr val="dk1">
+            <a:lumMod val="25000"/>
+            <a:lumOff val="75000"/>
+          </a:schemeClr>
+        </a:solidFill>
+        <a:round/>
+      </a:ln>
+    </cs:spPr>
+    <cs:defRPr sz="900" kern="1200" spc="0" baseline="0"/>
+  </cs:valueAxis>
+  <cs:wall>
+    <cs:lnRef idx="0"/>
+    <cs:fillRef idx="0"/>
+    <cs:effectRef idx="0"/>
+    <cs:fontRef idx="minor">
+      <a:schemeClr val="dk1"/>
+    </cs:fontRef>
+  </cs:wall>
+</cs:chartStyle>
+</file>
+
 <file path=ppt/notesMasters/notesMaster1.xml><?xml version="1.0" encoding="utf-8"?>
 <p:notesMaster xmlns:a="http://schemas.openxmlformats.org/drawingml/2006/main" xmlns:r="http://schemas.openxmlformats.org/officeDocument/2006/relationships" xmlns:p="http://schemas.openxmlformats.org/presentationml/2006/main">
   <p:cSld>
@@ -1116,7 +2097,7 @@
           <a:p>
             <a:fld id="{B1BA01D1-974F-494B-A31E-333B12331249}" type="datetimeFigureOut">
               <a:rPr lang="zh-CN" altLang="en-US" smtClean="0"/>
-              <a:t>2020/9/13</a:t>
+              <a:t>2020/9/14</a:t>
             </a:fld>
             <a:endParaRPr lang="zh-CN" altLang="en-US"/>
           </a:p>
@@ -1758,16 +2739,13 @@
           <a:p>
             <a:r>
               <a:rPr lang="en-US" altLang="zh-CN" dirty="0"/>
-              <a:t>Let’s look back at pipeline </a:t>
-            </a:r>
-            <a:r>
-              <a:rPr lang="en-US" altLang="zh-CN"/>
-              <a:t>parallelism again</a:t>
-            </a:r>
-            <a:r>
-              <a:rPr lang="en-US" altLang="zh-CN" dirty="0"/>
-              <a:t>,.</a:t>
-            </a:r>
+              <a:t>Let’s look back at pipeline parallelism again.</a:t>
+            </a:r>
+          </a:p>
+          <a:p>
+            <a:endParaRPr lang="en-US" altLang="zh-CN" dirty="0"/>
+          </a:p>
+          <a:p>
             <a:endParaRPr lang="zh-CN" altLang="en-US" dirty="0"/>
           </a:p>
         </p:txBody>
@@ -2022,7 +3000,7 @@
           <a:p>
             <a:r>
               <a:rPr lang="en-US" altLang="zh-CN" dirty="0"/>
-              <a:t>Let’s look back at pipeline parallelism.</a:t>
+              <a:t>Let’s see how to implement a pipeline parallelism model.</a:t>
             </a:r>
           </a:p>
           <a:p>
@@ -2035,11 +3013,11 @@
             </a:r>
             <a:r>
               <a:rPr lang="en-US" altLang="zh-CN" dirty="0" err="1"/>
-              <a:t>temp_balane</a:t>
+              <a:t>temp_balance</a:t>
             </a:r>
             <a:r>
               <a:rPr lang="en-US" altLang="zh-CN" dirty="0"/>
-              <a:t> means? How do we partition this model? We will talk it later</a:t>
+              <a:t> means? It means the responding List that partition model layers over multiple GPUs. We will talk it later</a:t>
             </a:r>
             <a:endParaRPr lang="zh-CN" altLang="en-US" dirty="0"/>
           </a:p>
@@ -2127,23 +3105,20 @@
           <a:p>
             <a:r>
               <a:rPr lang="en-US" altLang="zh-CN" dirty="0"/>
-              <a:t>Once the user defines the sequence of layers in their network, </a:t>
-            </a:r>
-            <a:r>
-              <a:rPr lang="en-US" altLang="zh-CN" dirty="0" err="1"/>
-              <a:t>GPipe</a:t>
-            </a:r>
+              <a:t>Once the user defines the sequence of model layers in their network, 1.</a:t>
+            </a:r>
+          </a:p>
+          <a:p>
+            <a:endParaRPr lang="en-US" altLang="zh-CN" dirty="0"/>
+          </a:p>
+          <a:p>
             <a:r>
               <a:rPr lang="en-US" altLang="zh-CN" dirty="0"/>
-              <a:t> partitions the network into K cells on the separate accelerators. </a:t>
-            </a:r>
-            <a:endParaRPr lang="en-US" altLang="zh-CN" strike="sngStrike" dirty="0"/>
-          </a:p>
-          <a:p>
-            <a:r>
-              <a:rPr lang="en-US" altLang="zh-CN" dirty="0"/>
-              <a:t>This sequence of operations is illustrated in the upper graph. </a:t>
-            </a:r>
+              <a:t>4….. This sequence of operations is illustrated in the upper graph. </a:t>
+            </a:r>
+          </a:p>
+          <a:p>
+            <a:endParaRPr lang="en-US" altLang="zh-CN" dirty="0"/>
           </a:p>
           <a:p>
             <a:pPr marL="0" marR="0" lvl="0" indent="0" algn="l" defTabSz="914400" rtl="0" eaLnBrk="1" fontAlgn="auto" latinLnBrk="0" hangingPunct="1">
@@ -2256,13 +3231,16 @@
           <a:p>
             <a:r>
               <a:rPr lang="en-US" altLang="zh-CN" dirty="0"/>
-              <a:t>Before partition the model, you should firstly know what’s the model architecture.</a:t>
-            </a:r>
+              <a:t>Before partition the model, you should firstly know what’s the model architecture. For example, how many layers in this model? Is that convolutional layer, pooling layer, or active layer?</a:t>
+            </a:r>
+          </a:p>
+          <a:p>
+            <a:endParaRPr lang="en-US" altLang="zh-CN" dirty="0"/>
           </a:p>
           <a:p>
             <a:r>
               <a:rPr lang="en-US" altLang="zh-CN" dirty="0"/>
-              <a:t>Like the image showing here, the U-net model apply large amount of convolutional functions.</a:t>
+              <a:t>Like the image showing here, the U-net model, which I use as an example, apply large amount of convolutional functions.</a:t>
             </a:r>
           </a:p>
           <a:p>
@@ -2386,6 +3364,10 @@
           <a:bodyPr/>
           <a:lstStyle/>
           <a:p>
+            <a:r>
+              <a:rPr lang="en-US" altLang="zh-CN" dirty="0"/>
+              <a:t>Finally, here we are: partition algorithm.</a:t>
+            </a:r>
             <a:endParaRPr lang="zh-CN" altLang="en-US" dirty="0"/>
           </a:p>
         </p:txBody>
@@ -2472,11 +3454,56 @@
           <a:p>
             <a:r>
               <a:rPr lang="en-US" altLang="zh-CN" dirty="0"/>
-              <a:t>I’ll a sample intuition about these two method.</a:t>
+              <a:t>I’ll show you a simple example about the </a:t>
+            </a:r>
+            <a:r>
+              <a:rPr lang="en-US" altLang="zh-CN" dirty="0" err="1"/>
+              <a:t>balance_by_time</a:t>
+            </a:r>
+            <a:r>
+              <a:rPr lang="en-US" altLang="zh-CN" dirty="0"/>
+              <a:t>().</a:t>
             </a:r>
           </a:p>
           <a:p>
             <a:endParaRPr lang="en-US" altLang="zh-CN" dirty="0"/>
+          </a:p>
+          <a:p>
+            <a:r>
+              <a:rPr lang="en-US" altLang="zh-CN" dirty="0"/>
+              <a:t>Suppose that we have a model including 16 layers, and we want to divide this model over 4 GPUs. Firstly, We should do per layer time profiling to define which layer will take more time or less time. For this purpose, we generate a data sample, </a:t>
+            </a:r>
+            <a:r>
+              <a:rPr lang="en-US" altLang="zh-CN" strike="sngStrike" dirty="0"/>
+              <a:t>the image size is 224 * 224* 3, and the batch size is 128</a:t>
+            </a:r>
+            <a:r>
+              <a:rPr lang="en-US" altLang="zh-CN" dirty="0"/>
+              <a:t>. then we run the </a:t>
+            </a:r>
+            <a:r>
+              <a:rPr lang="en-US" altLang="zh-CN" dirty="0" err="1"/>
+              <a:t>balance_by_time</a:t>
+            </a:r>
+            <a:r>
+              <a:rPr lang="en-US" altLang="zh-CN" dirty="0"/>
+              <a:t>() and get the per layer time profiling like the image showing below. Here we use a naïve partition algorithm to make each 4 partition have the same runtime approximately.</a:t>
+            </a:r>
+          </a:p>
+          <a:p>
+            <a:endParaRPr lang="en-US" altLang="zh-CN" dirty="0"/>
+          </a:p>
+          <a:p>
+            <a:r>
+              <a:rPr lang="en-US" altLang="zh-CN" dirty="0"/>
+              <a:t>So, the sequential GPUs get 4, 4, 3, 5 layers of the model respectively. This ‘List’ is the input parameter of balance. </a:t>
+            </a:r>
+          </a:p>
+          <a:p>
+            <a:r>
+              <a:rPr lang="en-US" altLang="zh-CN" dirty="0"/>
+              <a:t>I test U-net(5, 64) model in 2 GPUs, and get the balance equal to [80, 161].</a:t>
+            </a:r>
           </a:p>
           <a:p>
             <a:r>
@@ -2864,7 +3891,7 @@
                 <a:effectLst/>
                 <a:latin typeface="Georgia" panose="02040502050405020303" pitchFamily="18" charset="0"/>
               </a:rPr>
-              <a:t>The table shows how </a:t>
+              <a:t>Here we see how </a:t>
             </a:r>
             <a:r>
               <a:rPr lang="en-US" altLang="zh-CN" b="0" i="0" dirty="0" err="1">
@@ -2874,7 +3901,7 @@
                 <a:effectLst/>
                 <a:latin typeface="Georgia" panose="02040502050405020303" pitchFamily="18" charset="0"/>
               </a:rPr>
-              <a:t>GPipe</a:t>
+              <a:t>Gpipe</a:t>
             </a:r>
             <a:r>
               <a:rPr lang="en-US" altLang="zh-CN" b="0" i="0" dirty="0">
@@ -2884,17 +3911,17 @@
                 <a:effectLst/>
                 <a:latin typeface="Georgia" panose="02040502050405020303" pitchFamily="18" charset="0"/>
               </a:rPr>
-              <a:t> facilitates scaling U-Net models. </a:t>
-            </a:r>
-            <a:r>
-              <a:rPr lang="en-US" altLang="zh-CN" b="0" i="1" dirty="0">
+              <a:t> perform with respect to memory usage </a:t>
+            </a:r>
+            <a:r>
+              <a:rPr lang="en-US" altLang="zh-CN" b="0" i="0" strike="sngStrike" dirty="0">
                 <a:solidFill>
                   <a:srgbClr val="3E4349"/>
                 </a:solidFill>
                 <a:effectLst/>
                 <a:latin typeface="Georgia" panose="02040502050405020303" pitchFamily="18" charset="0"/>
               </a:rPr>
-              <a:t>baseline</a:t>
+              <a:t>and training speed</a:t>
             </a:r>
             <a:r>
               <a:rPr lang="en-US" altLang="zh-CN" b="0" i="0" dirty="0">
@@ -2904,108 +3931,18 @@
                 <a:effectLst/>
                 <a:latin typeface="Georgia" panose="02040502050405020303" pitchFamily="18" charset="0"/>
               </a:rPr>
-              <a:t> denotes the baseline without pipeline parallelism nor checkpointing, and </a:t>
-            </a:r>
-            <a:r>
-              <a:rPr lang="en-US" altLang="zh-CN" b="0" i="1" dirty="0">
-                <a:solidFill>
-                  <a:srgbClr val="3E4349"/>
-                </a:solidFill>
-                <a:effectLst/>
-                <a:latin typeface="Georgia" panose="02040502050405020303" pitchFamily="18" charset="0"/>
-              </a:rPr>
-              <a:t>pipeline-1</a:t>
-            </a:r>
-            <a:r>
-              <a:rPr lang="en-US" altLang="zh-CN" b="0" i="0" dirty="0">
-                <a:solidFill>
-                  <a:srgbClr val="3E4349"/>
-                </a:solidFill>
-                <a:effectLst/>
-                <a:latin typeface="Georgia" panose="02040502050405020303" pitchFamily="18" charset="0"/>
-              </a:rPr>
-              <a:t>, </a:t>
-            </a:r>
-            <a:r>
-              <a:rPr lang="en-US" altLang="zh-CN" b="0" i="1" dirty="0">
-                <a:solidFill>
-                  <a:srgbClr val="3E4349"/>
-                </a:solidFill>
-                <a:effectLst/>
-                <a:latin typeface="Georgia" panose="02040502050405020303" pitchFamily="18" charset="0"/>
-              </a:rPr>
-              <a:t>-2</a:t>
-            </a:r>
-            <a:r>
-              <a:rPr lang="en-US" altLang="zh-CN" b="0" i="0" dirty="0">
-                <a:solidFill>
-                  <a:srgbClr val="3E4349"/>
-                </a:solidFill>
-                <a:effectLst/>
-                <a:latin typeface="Georgia" panose="02040502050405020303" pitchFamily="18" charset="0"/>
-              </a:rPr>
-              <a:t>, </a:t>
-            </a:r>
-            <a:r>
-              <a:rPr lang="en-US" altLang="zh-CN" b="0" i="1" dirty="0">
-                <a:solidFill>
-                  <a:srgbClr val="3E4349"/>
-                </a:solidFill>
-                <a:effectLst/>
-                <a:latin typeface="Georgia" panose="02040502050405020303" pitchFamily="18" charset="0"/>
-              </a:rPr>
-              <a:t>-4</a:t>
-            </a:r>
-            <a:r>
-              <a:rPr lang="en-US" altLang="zh-CN" b="0" i="0" dirty="0">
-                <a:solidFill>
-                  <a:srgbClr val="3E4349"/>
-                </a:solidFill>
-                <a:effectLst/>
-                <a:latin typeface="Georgia" panose="02040502050405020303" pitchFamily="18" charset="0"/>
-              </a:rPr>
-              <a:t>, </a:t>
-            </a:r>
-            <a:r>
-              <a:rPr lang="en-US" altLang="zh-CN" b="0" i="1" dirty="0">
-                <a:solidFill>
-                  <a:srgbClr val="3E4349"/>
-                </a:solidFill>
-                <a:effectLst/>
-                <a:latin typeface="Georgia" panose="02040502050405020303" pitchFamily="18" charset="0"/>
-              </a:rPr>
-              <a:t>-8</a:t>
-            </a:r>
-            <a:r>
-              <a:rPr lang="en-US" altLang="zh-CN" b="0" i="0" dirty="0">
-                <a:solidFill>
-                  <a:srgbClr val="3E4349"/>
-                </a:solidFill>
-                <a:effectLst/>
-                <a:latin typeface="Georgia" panose="02040502050405020303" pitchFamily="18" charset="0"/>
-              </a:rPr>
-              <a:t> denotes that the model is trained with </a:t>
-            </a:r>
-            <a:r>
-              <a:rPr lang="en-US" altLang="zh-CN" b="0" i="0" dirty="0" err="1">
-                <a:solidFill>
-                  <a:srgbClr val="3E4349"/>
-                </a:solidFill>
-                <a:effectLst/>
-                <a:latin typeface="Georgia" panose="02040502050405020303" pitchFamily="18" charset="0"/>
-              </a:rPr>
-              <a:t>GPipe</a:t>
-            </a:r>
-            <a:r>
-              <a:rPr lang="en-US" altLang="zh-CN" b="0" i="0" dirty="0">
-                <a:solidFill>
-                  <a:srgbClr val="3E4349"/>
-                </a:solidFill>
-                <a:effectLst/>
-                <a:latin typeface="Georgia" panose="02040502050405020303" pitchFamily="18" charset="0"/>
-              </a:rPr>
-              <a:t> with the corresponding number of partitions.</a:t>
-            </a:r>
+              <a:t>.</a:t>
+            </a:r>
+          </a:p>
+          <a:p>
+            <a:pPr algn="l"/>
+            <a:endParaRPr lang="en-US" altLang="zh-CN" b="0" i="0" dirty="0">
+              <a:solidFill>
+                <a:srgbClr val="3E4349"/>
+              </a:solidFill>
+              <a:effectLst/>
+              <a:latin typeface="Georgia" panose="02040502050405020303" pitchFamily="18" charset="0"/>
+            </a:endParaRPr>
           </a:p>
           <a:p>
             <a:pPr algn="l"/>
@@ -3061,9 +3998,20 @@
             </a:r>
           </a:p>
           <a:p>
+            <a:endParaRPr lang="en-US" altLang="zh-CN" dirty="0"/>
+          </a:p>
+          <a:p>
+            <a:r>
+              <a:rPr lang="en-US" altLang="zh-CN" dirty="0"/>
+              <a:t>May I have your attention at this line? You see with a single GPU device, pipeline parallelism can hold larger model parameters with the same memory usage, Instead pipeline parallelism sacrifices its running speed. I’ll show you the evidence latter.</a:t>
+            </a:r>
             <a:br>
               <a:rPr lang="en-US" altLang="zh-CN" dirty="0"/>
             </a:br>
+            <a:r>
+              <a:rPr lang="en-US" altLang="zh-CN" dirty="0"/>
+              <a:t>to sum up, using pipeline parallelism, with the accelerator increases, you can get an approximately linear increase in memory usage.</a:t>
+            </a:r>
             <a:endParaRPr lang="zh-CN" altLang="en-US" dirty="0"/>
           </a:p>
         </p:txBody>
@@ -3148,6 +4096,41 @@
           <a:bodyPr/>
           <a:lstStyle/>
           <a:p>
+            <a:r>
+              <a:rPr lang="en-US" altLang="zh-CN" dirty="0"/>
+              <a:t>Here is speed performance.</a:t>
+            </a:r>
+          </a:p>
+          <a:p>
+            <a:r>
+              <a:rPr lang="en-US" altLang="zh-CN" dirty="0"/>
+              <a:t>Firstly, let’s review </a:t>
+            </a:r>
+            <a:r>
+              <a:rPr lang="en-US" altLang="zh-CN" strike="noStrike" dirty="0"/>
+              <a:t>the evidence that the speed of pipeline-1 is lower than baseline. Because pipeline parallelism split mini into multiple micro , </a:t>
+            </a:r>
+            <a:r>
+              <a:rPr lang="en-US" altLang="zh-CN" strike="noStrike" dirty="0" err="1"/>
+              <a:t>communicaition</a:t>
+            </a:r>
+            <a:r>
+              <a:rPr lang="en-US" altLang="zh-CN" strike="noStrike" dirty="0"/>
+              <a:t> overhead occurs in this process.      </a:t>
+            </a:r>
+            <a:r>
+              <a:rPr lang="en-US" altLang="zh-CN" strike="sngStrike" dirty="0"/>
+              <a:t>between multiple micro.</a:t>
+            </a:r>
+            <a:endParaRPr lang="en-US" altLang="zh-CN" dirty="0"/>
+          </a:p>
+          <a:p>
+            <a:r>
+              <a:rPr lang="en-US" altLang="zh-CN" dirty="0"/>
+              <a:t>Still, you can see an approximately linear increase in speed when accelerator increases. </a:t>
+            </a:r>
+          </a:p>
+          <a:p>
             <a:endParaRPr lang="zh-CN" altLang="en-US" dirty="0"/>
           </a:p>
         </p:txBody>
@@ -3234,7 +4217,31 @@
           <a:p>
             <a:r>
               <a:rPr lang="zh-CN" altLang="en-US" dirty="0"/>
-              <a:t>To study opportunities for future performance, we identified the key factors that affect the performance of GPipe on Cloud TPUs. We measured the time spent on different activities listed in </a:t>
+              <a:t>To study opportunities for future performance, </a:t>
+            </a:r>
+            <a:r>
+              <a:rPr lang="en-US" altLang="zh-CN" dirty="0"/>
+              <a:t>I</a:t>
+            </a:r>
+            <a:r>
+              <a:rPr lang="zh-CN" altLang="en-US" dirty="0"/>
+              <a:t> identified the key factors that affect the performance of GPipe on </a:t>
+            </a:r>
+            <a:r>
+              <a:rPr lang="en-US" altLang="zh-CN" dirty="0"/>
+              <a:t>accelerators</a:t>
+            </a:r>
+            <a:r>
+              <a:rPr lang="zh-CN" altLang="en-US" dirty="0"/>
+              <a:t>. </a:t>
+            </a:r>
+            <a:r>
+              <a:rPr lang="en-US" altLang="zh-CN" dirty="0"/>
+              <a:t>I</a:t>
+            </a:r>
+            <a:r>
+              <a:rPr lang="zh-CN" altLang="en-US" dirty="0"/>
+              <a:t> measured the time spent on different activities listed in </a:t>
             </a:r>
             <a:r>
               <a:rPr lang="en-US" altLang="zh-CN" dirty="0"/>
@@ -3250,7 +4257,29 @@
             </a:r>
             <a:r>
               <a:rPr lang="zh-CN" altLang="en-US" dirty="0"/>
-              <a:t>. We found that re-computation time was the main contributor to GPipe overhead, taking up to 23% of the total step time. Another source of overhead was load imbalance. With two partitions, overhead caused by load imbalance was only 3</a:t>
+              <a:t>. </a:t>
+            </a:r>
+            <a:endParaRPr lang="en-US" altLang="zh-CN" dirty="0"/>
+          </a:p>
+          <a:p>
+            <a:r>
+              <a:rPr lang="zh-CN" altLang="en-US" dirty="0"/>
+              <a:t>We found that re-computation time was the main contributor to GPipe overhead, taking up to 2</a:t>
+            </a:r>
+            <a:r>
+              <a:rPr lang="en-US" altLang="zh-CN" dirty="0"/>
+              <a:t>2.5</a:t>
+            </a:r>
+            <a:r>
+              <a:rPr lang="zh-CN" altLang="en-US" dirty="0"/>
+              <a:t>% of the total step time. </a:t>
+            </a:r>
+            <a:endParaRPr lang="en-US" altLang="zh-CN" dirty="0"/>
+          </a:p>
+          <a:p>
+            <a:r>
+              <a:rPr lang="zh-CN" altLang="en-US" dirty="0"/>
+              <a:t>Another source of overhead was load imbalance. With two partitions, overhead caused by load imbalance was only 3</a:t>
             </a:r>
             <a:r>
               <a:rPr lang="en-US" altLang="zh-CN" dirty="0"/>
@@ -3264,7 +4293,14 @@
           <a:p>
             <a:r>
               <a:rPr lang="zh-CN" altLang="en-US" dirty="0"/>
-              <a:t>The observed bubble overhead was slightly lower than the theoretical value partly because re-computation was scheduled early to overlap with the bubble. Weight update time for gradient aggregation at the end of pipeline was also small, thanks to high-speed interconnections between the accelerators.</a:t>
+              <a:t>The observed bubble overhead was slightly lower than the theoretical value partly because re-computation was scheduled early to overlap with the bubble. </a:t>
+            </a:r>
+            <a:endParaRPr lang="en-US" altLang="zh-CN" dirty="0"/>
+          </a:p>
+          <a:p>
+            <a:r>
+              <a:rPr lang="zh-CN" altLang="en-US" dirty="0"/>
+              <a:t>Weight update time for gradient aggregation at the end of pipeline was also small, thanks to high-speed interconnections between the accelerators.</a:t>
             </a:r>
           </a:p>
           <a:p>
@@ -3352,6 +4388,10 @@
           <a:bodyPr/>
           <a:lstStyle/>
           <a:p>
+            <a:r>
+              <a:rPr lang="en-US" altLang="zh-CN" dirty="0"/>
+              <a:t>finally let's talk about the tricky trade-offs</a:t>
+            </a:r>
             <a:endParaRPr lang="zh-CN" altLang="en-US" dirty="0"/>
           </a:p>
         </p:txBody>
@@ -3436,6 +4476,19 @@
           <a:bodyPr/>
           <a:lstStyle/>
           <a:p>
+            <a:r>
+              <a:rPr lang="en-US" altLang="zh-CN" dirty="0"/>
+              <a:t>Another tricky trade-off is the number of micro-batches</a:t>
+            </a:r>
+          </a:p>
+          <a:p>
+            <a:endParaRPr lang="en-US" altLang="zh-CN" dirty="0"/>
+          </a:p>
+          <a:p>
+            <a:r>
+              <a:rPr lang="en-US" altLang="zh-CN" dirty="0"/>
+              <a:t>2. You can imagine that</a:t>
+            </a:r>
             <a:endParaRPr lang="zh-CN" altLang="en-US" dirty="0"/>
           </a:p>
         </p:txBody>
@@ -3520,6 +4573,32 @@
           <a:bodyPr/>
           <a:lstStyle/>
           <a:p>
+            <a:r>
+              <a:rPr lang="en-US" altLang="zh-CN" dirty="0"/>
+              <a:t>Last week, I have read some similar papers on pipeline parallelism implementation.</a:t>
+            </a:r>
+          </a:p>
+          <a:p>
+            <a:r>
+              <a:rPr lang="en-US" altLang="zh-CN" dirty="0"/>
+              <a:t>I found that this work </a:t>
+            </a:r>
+            <a:r>
+              <a:rPr lang="en-US" altLang="zh-CN" dirty="0" err="1"/>
+              <a:t>PipeDream</a:t>
+            </a:r>
+            <a:r>
+              <a:rPr lang="en-US" altLang="zh-CN" dirty="0"/>
+              <a:t>, published on SOSP’2019, has much overlap with </a:t>
+            </a:r>
+            <a:r>
+              <a:rPr lang="en-US" altLang="zh-CN" dirty="0" err="1"/>
+              <a:t>Gpipe</a:t>
+            </a:r>
+            <a:r>
+              <a:rPr lang="en-US" altLang="zh-CN" dirty="0"/>
+              <a:t>. Furthermore, showing some improvements. So, I want to share some ideas with you.</a:t>
+            </a:r>
             <a:endParaRPr lang="zh-CN" altLang="en-US" dirty="0"/>
           </a:p>
         </p:txBody>
@@ -3623,6 +4702,69 @@
             </a:pPr>
             <a:r>
               <a:rPr lang="en-US" altLang="zh-CN" dirty="0"/>
+              <a:t>As I mentioned before, </a:t>
+            </a:r>
+            <a:r>
+              <a:rPr lang="en-US" altLang="zh-CN" dirty="0" err="1"/>
+              <a:t>Gpipe</a:t>
+            </a:r>
+            <a:r>
+              <a:rPr lang="zh-CN" altLang="en-US" dirty="0"/>
+              <a:t> </a:t>
+            </a:r>
+            <a:r>
+              <a:rPr lang="en-US" altLang="zh-CN" dirty="0"/>
+              <a:t>may output some imbalanced model in some cases. So </a:t>
+            </a:r>
+            <a:r>
+              <a:rPr lang="en-US" altLang="zh-CN" dirty="0" err="1"/>
+              <a:t>PipeDream</a:t>
+            </a:r>
+            <a:r>
+              <a:rPr lang="en-US" altLang="zh-CN" dirty="0"/>
+              <a:t> does this.</a:t>
+            </a:r>
+          </a:p>
+          <a:p>
+            <a:pPr marL="0" marR="0" lvl="0" indent="0" algn="l" defTabSz="914400" rtl="0" eaLnBrk="1" fontAlgn="auto" latinLnBrk="0" hangingPunct="1">
+              <a:lnSpc>
+                <a:spcPct val="100000"/>
+              </a:lnSpc>
+              <a:spcBef>
+                <a:spcPts val="0"/>
+              </a:spcBef>
+              <a:spcAft>
+                <a:spcPts val="0"/>
+              </a:spcAft>
+              <a:buClrTx/>
+              <a:buSzTx/>
+              <a:buFontTx/>
+              <a:buNone/>
+              <a:tabLst/>
+              <a:defRPr/>
+            </a:pPr>
+            <a:endParaRPr lang="en-US" altLang="zh-CN" dirty="0"/>
+          </a:p>
+          <a:p>
+            <a:pPr marL="0" marR="0" lvl="0" indent="0" algn="l" defTabSz="914400" rtl="0" eaLnBrk="1" fontAlgn="auto" latinLnBrk="0" hangingPunct="1">
+              <a:lnSpc>
+                <a:spcPct val="100000"/>
+              </a:lnSpc>
+              <a:spcBef>
+                <a:spcPts val="0"/>
+              </a:spcBef>
+              <a:spcAft>
+                <a:spcPts val="0"/>
+              </a:spcAft>
+              <a:buClrTx/>
+              <a:buSzTx/>
+              <a:buFontTx/>
+              <a:buNone/>
+              <a:tabLst/>
+              <a:defRPr/>
+            </a:pPr>
+            <a:r>
+              <a:rPr lang="en-US" altLang="zh-CN" dirty="0"/>
               <a:t>1.(for example, large outputs should be sent over higher bandwidth links if possible).</a:t>
             </a:r>
           </a:p>
@@ -3729,7 +4871,98 @@
               <a:defRPr/>
             </a:pPr>
             <a:r>
-              <a:rPr lang="en-US" altLang="zh-CN" dirty="0"/>
+              <a:rPr lang="en-US" altLang="zh-CN" strike="noStrike" dirty="0"/>
+              <a:t>In this graph, we can assume worker1 and worker2 as a whole replicated stages for the purpose that keep pace with worker3. all these operations are not allowed in </a:t>
+            </a:r>
+            <a:r>
+              <a:rPr lang="en-US" altLang="zh-CN" strike="noStrike" dirty="0" err="1"/>
+              <a:t>Gpipe</a:t>
+            </a:r>
+            <a:r>
+              <a:rPr lang="en-US" altLang="zh-CN" strike="noStrike" dirty="0"/>
+              <a:t>.</a:t>
+            </a:r>
+          </a:p>
+          <a:p>
+            <a:pPr marL="0" marR="0" lvl="0" indent="0" algn="l" defTabSz="914400" rtl="0" eaLnBrk="1" fontAlgn="auto" latinLnBrk="0" hangingPunct="1">
+              <a:lnSpc>
+                <a:spcPct val="100000"/>
+              </a:lnSpc>
+              <a:spcBef>
+                <a:spcPts val="0"/>
+              </a:spcBef>
+              <a:spcAft>
+                <a:spcPts val="0"/>
+              </a:spcAft>
+              <a:buClrTx/>
+              <a:buSzTx/>
+              <a:buFontTx/>
+              <a:buNone/>
+              <a:tabLst/>
+              <a:defRPr/>
+            </a:pPr>
+            <a:endParaRPr lang="en-US" altLang="zh-CN" strike="noStrike" dirty="0"/>
+          </a:p>
+          <a:p>
+            <a:pPr marL="0" marR="0" lvl="0" indent="0" algn="l" defTabSz="914400" rtl="0" eaLnBrk="1" fontAlgn="auto" latinLnBrk="0" hangingPunct="1">
+              <a:lnSpc>
+                <a:spcPct val="100000"/>
+              </a:lnSpc>
+              <a:spcBef>
+                <a:spcPts val="0"/>
+              </a:spcBef>
+              <a:spcAft>
+                <a:spcPts val="0"/>
+              </a:spcAft>
+              <a:buClrTx/>
+              <a:buSzTx/>
+              <a:buFontTx/>
+              <a:buNone/>
+              <a:tabLst/>
+              <a:defRPr/>
+            </a:pPr>
+            <a:endParaRPr lang="en-US" altLang="zh-CN" strike="noStrike" dirty="0"/>
+          </a:p>
+          <a:p>
+            <a:pPr marL="0" marR="0" lvl="0" indent="0" algn="l" defTabSz="914400" rtl="0" eaLnBrk="1" fontAlgn="auto" latinLnBrk="0" hangingPunct="1">
+              <a:lnSpc>
+                <a:spcPct val="100000"/>
+              </a:lnSpc>
+              <a:spcBef>
+                <a:spcPts val="0"/>
+              </a:spcBef>
+              <a:spcAft>
+                <a:spcPts val="0"/>
+              </a:spcAft>
+              <a:buClrTx/>
+              <a:buSzTx/>
+              <a:buFontTx/>
+              <a:buNone/>
+              <a:tabLst/>
+              <a:defRPr/>
+            </a:pPr>
+            <a:endParaRPr lang="en-US" altLang="zh-CN" strike="sngStrike" dirty="0"/>
+          </a:p>
+          <a:p>
+            <a:pPr marL="0" marR="0" lvl="0" indent="0" algn="l" defTabSz="914400" rtl="0" eaLnBrk="1" fontAlgn="auto" latinLnBrk="0" hangingPunct="1">
+              <a:lnSpc>
+                <a:spcPct val="100000"/>
+              </a:lnSpc>
+              <a:spcBef>
+                <a:spcPts val="0"/>
+              </a:spcBef>
+              <a:spcAft>
+                <a:spcPts val="0"/>
+              </a:spcAft>
+              <a:buClrTx/>
+              <a:buSzTx/>
+              <a:buFontTx/>
+              <a:buNone/>
+              <a:tabLst/>
+              <a:defRPr/>
+            </a:pPr>
+            <a:r>
+              <a:rPr lang="en-US" altLang="zh-CN" strike="sngStrike" dirty="0"/>
               <a:t>For the figure, We assume that forward and backward passes in the first stage take two time units, while forward and backward passes in the second stage take only a single time unit. The first stage in this pipeline is replicated twice so that each stage sustains roughly the same throughput</a:t>
             </a:r>
           </a:p>
@@ -3835,7 +5068,35 @@
           <a:bodyPr/>
           <a:lstStyle/>
           <a:p>
-            <a:endParaRPr lang="zh-CN" altLang="en-US" dirty="0"/>
+            <a:pPr marL="0" marR="0" lvl="0" indent="0" algn="l" defTabSz="914400" rtl="0" eaLnBrk="1" fontAlgn="auto" latinLnBrk="0" hangingPunct="1">
+              <a:lnSpc>
+                <a:spcPct val="100000"/>
+              </a:lnSpc>
+              <a:spcBef>
+                <a:spcPts val="0"/>
+              </a:spcBef>
+              <a:spcAft>
+                <a:spcPts val="0"/>
+              </a:spcAft>
+              <a:buClrTx/>
+              <a:buSzTx/>
+              <a:buFontTx/>
+              <a:buNone/>
+              <a:tabLst/>
+              <a:defRPr/>
+            </a:pPr>
+            <a:r>
+              <a:rPr lang="en-US" altLang="zh-CN" dirty="0"/>
+              <a:t>The</a:t>
+            </a:r>
+            <a:r>
+              <a:rPr lang="zh-CN" altLang="en-US" dirty="0"/>
+              <a:t> </a:t>
+            </a:r>
+            <a:r>
+              <a:rPr lang="en-US" altLang="zh-CN" dirty="0"/>
+              <a:t>author chooses the strategy: 1F1B.</a:t>
+            </a:r>
           </a:p>
         </p:txBody>
       </p:sp>
@@ -3921,7 +5182,20 @@
           <a:p>
             <a:r>
               <a:rPr lang="en-US" altLang="zh-CN" dirty="0"/>
-              <a:t>1F1B ensures that every GPU is occupied with a minibatch in a balanced pipeline, with each stage producing outputs in aggregate at roughly the same rate. It also ensures backward passes from inputs are applied at regular intervals of time.</a:t>
+              <a:t>I’ll give you an example/</a:t>
+            </a:r>
+          </a:p>
+          <a:p>
+            <a:endParaRPr lang="en-US" altLang="zh-CN" dirty="0"/>
+          </a:p>
+          <a:p>
+            <a:r>
+              <a:rPr lang="en-US" altLang="zh-CN" dirty="0"/>
+              <a:t>So, that’s all of the improvement. And all of my presentation, too. </a:t>
+            </a:r>
+            <a:r>
+              <a:rPr lang="en-US" altLang="zh-CN"/>
+              <a:t>Thank you!</a:t>
             </a:r>
             <a:endParaRPr lang="zh-CN" altLang="en-US" dirty="0"/>
           </a:p>
@@ -4405,6 +5679,18 @@
           <a:bodyPr/>
           <a:lstStyle/>
           <a:p>
+            <a:r>
+              <a:rPr lang="en-US" altLang="zh-CN" dirty="0"/>
+              <a:t>This page is the category, you can just have a brief review to know what I’m going to talk. don’t be </a:t>
+            </a:r>
+            <a:r>
+              <a:rPr lang="en-US" altLang="zh-CN" dirty="0" err="1"/>
+              <a:t>affrad</a:t>
+            </a:r>
+            <a:r>
+              <a:rPr lang="en-US" altLang="zh-CN" dirty="0"/>
+              <a:t>, I’ll show you again in the summary.</a:t>
+            </a:r>
             <a:endParaRPr lang="zh-CN" altLang="en-US" dirty="0"/>
           </a:p>
         </p:txBody>
@@ -5191,7 +6477,7 @@
           <a:p>
             <a:fld id="{A65724A8-22C4-4463-B4B1-32D848BA9ABB}" type="datetimeFigureOut">
               <a:rPr lang="zh-CN" altLang="en-US" smtClean="0"/>
-              <a:t>2020/9/13</a:t>
+              <a:t>2020/9/14</a:t>
             </a:fld>
             <a:endParaRPr lang="zh-CN" altLang="en-US"/>
           </a:p>
@@ -5361,7 +6647,7 @@
           <a:p>
             <a:fld id="{A65724A8-22C4-4463-B4B1-32D848BA9ABB}" type="datetimeFigureOut">
               <a:rPr lang="zh-CN" altLang="en-US" smtClean="0"/>
-              <a:t>2020/9/13</a:t>
+              <a:t>2020/9/14</a:t>
             </a:fld>
             <a:endParaRPr lang="zh-CN" altLang="en-US"/>
           </a:p>
@@ -5617,7 +6903,7 @@
           <a:p>
             <a:fld id="{A65724A8-22C4-4463-B4B1-32D848BA9ABB}" type="datetimeFigureOut">
               <a:rPr lang="zh-CN" altLang="en-US" smtClean="0"/>
-              <a:t>2020/9/13</a:t>
+              <a:t>2020/9/14</a:t>
             </a:fld>
             <a:endParaRPr lang="zh-CN" altLang="en-US"/>
           </a:p>
@@ -5791,7 +7077,7 @@
           <a:p>
             <a:fld id="{A65724A8-22C4-4463-B4B1-32D848BA9ABB}" type="datetimeFigureOut">
               <a:rPr lang="zh-CN" altLang="en-US" smtClean="0"/>
-              <a:t>2020/9/13</a:t>
+              <a:t>2020/9/14</a:t>
             </a:fld>
             <a:endParaRPr lang="zh-CN" altLang="en-US"/>
           </a:p>
@@ -6134,7 +7420,7 @@
           <a:p>
             <a:fld id="{A65724A8-22C4-4463-B4B1-32D848BA9ABB}" type="datetimeFigureOut">
               <a:rPr lang="zh-CN" altLang="en-US" smtClean="0"/>
-              <a:t>2020/9/13</a:t>
+              <a:t>2020/9/14</a:t>
             </a:fld>
             <a:endParaRPr lang="zh-CN" altLang="en-US"/>
           </a:p>
@@ -6409,7 +7695,7 @@
           <a:p>
             <a:fld id="{A65724A8-22C4-4463-B4B1-32D848BA9ABB}" type="datetimeFigureOut">
               <a:rPr lang="zh-CN" altLang="en-US" smtClean="0"/>
-              <a:t>2020/9/13</a:t>
+              <a:t>2020/9/14</a:t>
             </a:fld>
             <a:endParaRPr lang="zh-CN" altLang="en-US"/>
           </a:p>
@@ -6788,7 +8074,7 @@
           <a:p>
             <a:fld id="{A65724A8-22C4-4463-B4B1-32D848BA9ABB}" type="datetimeFigureOut">
               <a:rPr lang="zh-CN" altLang="en-US" smtClean="0"/>
-              <a:t>2020/9/13</a:t>
+              <a:t>2020/9/14</a:t>
             </a:fld>
             <a:endParaRPr lang="zh-CN" altLang="en-US"/>
           </a:p>
@@ -6906,7 +8192,7 @@
           <a:p>
             <a:fld id="{A65724A8-22C4-4463-B4B1-32D848BA9ABB}" type="datetimeFigureOut">
               <a:rPr lang="zh-CN" altLang="en-US" smtClean="0"/>
-              <a:t>2020/9/13</a:t>
+              <a:t>2020/9/14</a:t>
             </a:fld>
             <a:endParaRPr lang="zh-CN" altLang="en-US"/>
           </a:p>
@@ -7077,7 +8363,7 @@
           <a:p>
             <a:fld id="{A65724A8-22C4-4463-B4B1-32D848BA9ABB}" type="datetimeFigureOut">
               <a:rPr lang="zh-CN" altLang="en-US" smtClean="0"/>
-              <a:t>2020/9/13</a:t>
+              <a:t>2020/9/14</a:t>
             </a:fld>
             <a:endParaRPr lang="zh-CN" altLang="en-US"/>
           </a:p>
@@ -7431,7 +8717,7 @@
           <a:p>
             <a:fld id="{A65724A8-22C4-4463-B4B1-32D848BA9ABB}" type="datetimeFigureOut">
               <a:rPr lang="zh-CN" altLang="en-US" smtClean="0"/>
-              <a:t>2020/9/13</a:t>
+              <a:t>2020/9/14</a:t>
             </a:fld>
             <a:endParaRPr lang="zh-CN" altLang="en-US"/>
           </a:p>
@@ -7813,7 +9099,7 @@
           <a:p>
             <a:fld id="{A65724A8-22C4-4463-B4B1-32D848BA9ABB}" type="datetimeFigureOut">
               <a:rPr lang="zh-CN" altLang="en-US" smtClean="0"/>
-              <a:t>2020/9/13</a:t>
+              <a:t>2020/9/14</a:t>
             </a:fld>
             <a:endParaRPr lang="zh-CN" altLang="en-US"/>
           </a:p>
@@ -8100,7 +9386,7 @@
           <a:p>
             <a:fld id="{A65724A8-22C4-4463-B4B1-32D848BA9ABB}" type="datetimeFigureOut">
               <a:rPr lang="zh-CN" altLang="en-US" smtClean="0"/>
-              <a:t>2020/9/13</a:t>
+              <a:t>2020/9/14</a:t>
             </a:fld>
             <a:endParaRPr lang="zh-CN" altLang="en-US"/>
           </a:p>
@@ -11410,8 +12696,8 @@
         </p:nvSpPr>
         <p:spPr>
           <a:xfrm>
-            <a:off x="1298971" y="5409066"/>
-            <a:ext cx="9174594" cy="923330"/>
+            <a:off x="1298970" y="5409066"/>
+            <a:ext cx="9795273" cy="923330"/>
           </a:xfrm>
           <a:prstGeom prst="rect">
             <a:avLst/>
@@ -11430,7 +12716,15 @@
             </a:r>
             <a:r>
               <a:rPr lang="zh-CN" altLang="en-US" dirty="0"/>
-              <a:t>An example neural network with sequential layers is partitioned across four accelerators.</a:t>
+              <a:t>An example neural network with sequential layers </a:t>
+            </a:r>
+            <a:r>
+              <a:rPr lang="en-US" altLang="zh-CN" dirty="0"/>
+              <a:t>which</a:t>
+            </a:r>
+            <a:r>
+              <a:rPr lang="zh-CN" altLang="en-US" dirty="0"/>
+              <a:t> is partitioned across four accelerators.</a:t>
             </a:r>
           </a:p>
           <a:p>
@@ -11901,7 +13195,7 @@
         <p:spPr>
           <a:xfrm>
             <a:off x="1298971" y="5409066"/>
-            <a:ext cx="9174594" cy="646331"/>
+            <a:ext cx="8216504" cy="646331"/>
           </a:xfrm>
           <a:prstGeom prst="rect">
             <a:avLst/>
@@ -11916,7 +13210,7 @@
           <a:p>
             <a:r>
               <a:rPr lang="en-US" altLang="zh-CN" dirty="0"/>
-              <a:t>(b) The naive </a:t>
+              <a:t>(b) Naive </a:t>
             </a:r>
             <a:r>
               <a:rPr lang="en-US" altLang="zh-CN" b="1" dirty="0"/>
@@ -11924,7 +13218,15 @@
             </a:r>
             <a:r>
               <a:rPr lang="en-US" altLang="zh-CN" dirty="0"/>
-              <a:t>strategy leads to severe under-utilization due to the sequential dependency of the network.</a:t>
+              <a:t>strategy, leading to severer </a:t>
+            </a:r>
+            <a:r>
+              <a:rPr lang="en-US" altLang="zh-CN" b="1" dirty="0"/>
+              <a:t>under-utilization</a:t>
+            </a:r>
+            <a:r>
+              <a:rPr lang="en-US" altLang="zh-CN" dirty="0"/>
+              <a:t> due to the sequential dependency of the network.</a:t>
             </a:r>
             <a:endParaRPr lang="zh-CN" altLang="en-US" dirty="0"/>
           </a:p>
@@ -12382,7 +13684,7 @@
         <p:spPr>
           <a:xfrm>
             <a:off x="1298971" y="5409066"/>
-            <a:ext cx="9174594" cy="923330"/>
+            <a:ext cx="8859442" cy="923330"/>
           </a:xfrm>
           <a:prstGeom prst="rect">
             <a:avLst/>
@@ -12396,8 +13698,20 @@
           <a:lstStyle/>
           <a:p>
             <a:r>
+              <a:rPr lang="en-US" altLang="zh-CN" dirty="0">
+                <a:solidFill>
+                  <a:srgbClr val="FF0000"/>
+                </a:solidFill>
+              </a:rPr>
+              <a:t>(c) </a:t>
+            </a:r>
+            <a:r>
+              <a:rPr lang="en-US" altLang="zh-CN" b="1" dirty="0"/>
+              <a:t>Pipeline parallelism </a:t>
+            </a:r>
+            <a:r>
               <a:rPr lang="en-US" altLang="zh-CN" dirty="0"/>
-              <a:t>(c) Pipeline parallelism divides the input mini-batch into smaller micro-batches, enabling different accelerators to work on different micro-batches simultaneously. Gradients are applied synchronously at the end.</a:t>
+              <a:t>divides the input mini-batch into multiple smaller micro-batches, enabling different accelerators to work on different micro-batches simultaneously. Gradients are applied synchronously at the end.</a:t>
             </a:r>
             <a:endParaRPr lang="zh-CN" altLang="en-US" dirty="0"/>
           </a:p>
@@ -12890,7 +14204,7 @@
             </a:pPr>
             <a:r>
               <a:rPr lang="en-US" altLang="zh-CN" dirty="0"/>
-              <a:t>the sequence and definitions of L layers that define the model. </a:t>
+              <a:t>the sequence and definition of layers that define the model. </a:t>
             </a:r>
             <a:endParaRPr lang="zh-CN" altLang="en-US" dirty="0"/>
           </a:p>
@@ -14304,7 +15618,7 @@
             </a:r>
             <a:r>
               <a:rPr lang="en-US" altLang="zh-CN" dirty="0"/>
-              <a:t> partitions the network into K cells on the separate accelerators</a:t>
+              <a:t> partitions the model layers into 4 cells on the separate accelerators</a:t>
             </a:r>
           </a:p>
           <a:p>
@@ -14332,7 +15646,7 @@
             </a:r>
             <a:r>
               <a:rPr lang="en-US" altLang="zh-CN" dirty="0"/>
-              <a:t> first divides every mini-batch of size N into M equal micro-batches, which are pipelined through the K accelerators</a:t>
+              <a:t> firstly divides every mini-batch of size N into 4 equal micro-batches, which are pipelined through the 4 accelerators.</a:t>
             </a:r>
           </a:p>
           <a:p>
@@ -14352,7 +15666,7 @@
             </a:pPr>
             <a:r>
               <a:rPr lang="en-US" altLang="zh-CN" dirty="0"/>
-              <a:t>At the end of each mini-batch, gradients from all M micro-batches are accumulated and applied to update the model parameters across all accelerators</a:t>
+              <a:t>At the end of each mini-batch, gradients from all 4 micro-batches are accumulated and applied to update the model parameters across all accelerators</a:t>
             </a:r>
           </a:p>
           <a:p>
@@ -15585,7 +16899,7 @@
           <a:p>
             <a:r>
               <a:rPr lang="en-US" altLang="zh-CN" dirty="0"/>
-              <a:t>It could be hard to determine the optimal balance of a model. In particular, if you are still designing a model, the model architecture may change over time. </a:t>
+              <a:t>It could be very hard for user to determine the optimal balance of a model. In particular, if you are still designing a model, the model architecture may change over time. </a:t>
             </a:r>
           </a:p>
           <a:p>
@@ -15681,6 +16995,344 @@
             <a:r>
               <a:rPr lang="en-US" altLang="zh-CN" dirty="0"/>
               <a:t>() detects the CUDA memory usage of each layer. </a:t>
+            </a:r>
+            <a:endParaRPr lang="zh-CN" altLang="en-US" dirty="0"/>
+          </a:p>
+        </p:txBody>
+      </p:sp>
+      <p:sp>
+        <p:nvSpPr>
+          <p:cNvPr id="14" name="Rectangle 1">
+            <a:extLst>
+              <a:ext uri="{FF2B5EF4-FFF2-40B4-BE49-F238E27FC236}">
+                <a16:creationId xmlns:a16="http://schemas.microsoft.com/office/drawing/2014/main" id="{4D1FC163-339A-4BB3-9D66-640F2B567D7E}"/>
+              </a:ext>
+            </a:extLst>
+          </p:cNvPr>
+          <p:cNvSpPr>
+            <a:spLocks noChangeArrowheads="1"/>
+          </p:cNvSpPr>
+          <p:nvPr/>
+        </p:nvSpPr>
+        <p:spPr bwMode="auto">
+          <a:xfrm>
+            <a:off x="473868" y="4990436"/>
+            <a:ext cx="6236495" cy="584775"/>
+          </a:xfrm>
+          <a:prstGeom prst="rect">
+            <a:avLst/>
+          </a:prstGeom>
+          <a:solidFill>
+            <a:srgbClr val="2B2B2B"/>
+          </a:solidFill>
+          <a:ln>
+            <a:noFill/>
+          </a:ln>
+          <a:effectLst/>
+          <a:extLst>
+            <a:ext uri="{91240B29-F687-4F45-9708-019B960494DF}">
+              <a14:hiddenLine xmlns:a14="http://schemas.microsoft.com/office/drawing/2010/main" w="9525">
+                <a:solidFill>
+                  <a:schemeClr val="tx1"/>
+                </a:solidFill>
+                <a:miter lim="800000"/>
+                <a:headEnd/>
+                <a:tailEnd/>
+              </a14:hiddenLine>
+            </a:ext>
+            <a:ext uri="{AF507438-7753-43E0-B8FC-AC1667EBCBE1}">
+              <a14:hiddenEffects xmlns:a14="http://schemas.microsoft.com/office/drawing/2010/main">
+                <a:effectLst>
+                  <a:outerShdw dist="35921" dir="2700000" algn="ctr" rotWithShape="0">
+                    <a:schemeClr val="bg2"/>
+                  </a:outerShdw>
+                </a:effectLst>
+              </a14:hiddenEffects>
+            </a:ext>
+          </a:extLst>
+        </p:spPr>
+        <p:txBody>
+          <a:bodyPr vert="horz" wrap="square" lIns="91440" tIns="45720" rIns="91440" bIns="45720" numCol="1" anchor="ctr" anchorCtr="0" compatLnSpc="1">
+            <a:prstTxWarp prst="textNoShape">
+              <a:avLst/>
+            </a:prstTxWarp>
+            <a:spAutoFit/>
+          </a:bodyPr>
+          <a:lstStyle/>
+          <a:p>
+            <a:pPr marL="0" marR="0" lvl="0" indent="0" algn="l" defTabSz="914400" rtl="0" eaLnBrk="0" fontAlgn="base" latinLnBrk="0" hangingPunct="0">
+              <a:lnSpc>
+                <a:spcPct val="100000"/>
+              </a:lnSpc>
+              <a:spcBef>
+                <a:spcPct val="0"/>
+              </a:spcBef>
+              <a:spcAft>
+                <a:spcPct val="0"/>
+              </a:spcAft>
+              <a:buClrTx/>
+              <a:buSzTx/>
+              <a:buFontTx/>
+              <a:buNone/>
+              <a:tabLst/>
+            </a:pPr>
+            <a:r>
+              <a:rPr kumimoji="0" lang="zh-CN" altLang="zh-CN" sz="1600" b="0" i="0" u="none" strike="noStrike" cap="none" normalizeH="0" baseline="0" dirty="0">
+                <a:ln>
+                  <a:noFill/>
+                </a:ln>
+                <a:solidFill>
+                  <a:srgbClr val="A9B7C6"/>
+                </a:solidFill>
+                <a:effectLst/>
+                <a:latin typeface="Consolas" panose="020B0609020204030204" pitchFamily="49" charset="0"/>
+              </a:rPr>
+              <a:t>sample = torch.rand(</a:t>
+            </a:r>
+            <a:r>
+              <a:rPr kumimoji="0" lang="zh-CN" altLang="zh-CN" sz="1600" b="0" i="0" u="none" strike="noStrike" cap="none" normalizeH="0" baseline="0" dirty="0">
+                <a:ln>
+                  <a:noFill/>
+                </a:ln>
+                <a:solidFill>
+                  <a:srgbClr val="6897BB"/>
+                </a:solidFill>
+                <a:effectLst/>
+                <a:latin typeface="Consolas" panose="020B0609020204030204" pitchFamily="49" charset="0"/>
+              </a:rPr>
+              <a:t>128</a:t>
+            </a:r>
+            <a:r>
+              <a:rPr kumimoji="0" lang="zh-CN" altLang="zh-CN" sz="1600" b="0" i="0" u="none" strike="noStrike" cap="none" normalizeH="0" baseline="0" dirty="0">
+                <a:ln>
+                  <a:noFill/>
+                </a:ln>
+                <a:solidFill>
+                  <a:srgbClr val="CC7832"/>
+                </a:solidFill>
+                <a:effectLst/>
+                <a:latin typeface="Consolas" panose="020B0609020204030204" pitchFamily="49" charset="0"/>
+              </a:rPr>
+              <a:t>, </a:t>
+            </a:r>
+            <a:r>
+              <a:rPr kumimoji="0" lang="zh-CN" altLang="zh-CN" sz="1600" b="0" i="0" u="none" strike="noStrike" cap="none" normalizeH="0" baseline="0" dirty="0">
+                <a:ln>
+                  <a:noFill/>
+                </a:ln>
+                <a:solidFill>
+                  <a:srgbClr val="6897BB"/>
+                </a:solidFill>
+                <a:effectLst/>
+                <a:latin typeface="Consolas" panose="020B0609020204030204" pitchFamily="49" charset="0"/>
+              </a:rPr>
+              <a:t>3</a:t>
+            </a:r>
+            <a:r>
+              <a:rPr kumimoji="0" lang="zh-CN" altLang="zh-CN" sz="1600" b="0" i="0" u="none" strike="noStrike" cap="none" normalizeH="0" baseline="0" dirty="0">
+                <a:ln>
+                  <a:noFill/>
+                </a:ln>
+                <a:solidFill>
+                  <a:srgbClr val="CC7832"/>
+                </a:solidFill>
+                <a:effectLst/>
+                <a:latin typeface="Consolas" panose="020B0609020204030204" pitchFamily="49" charset="0"/>
+              </a:rPr>
+              <a:t>, </a:t>
+            </a:r>
+            <a:r>
+              <a:rPr kumimoji="0" lang="zh-CN" altLang="zh-CN" sz="1600" b="0" i="0" u="none" strike="noStrike" cap="none" normalizeH="0" baseline="0" dirty="0">
+                <a:ln>
+                  <a:noFill/>
+                </a:ln>
+                <a:solidFill>
+                  <a:srgbClr val="6897BB"/>
+                </a:solidFill>
+                <a:effectLst/>
+                <a:latin typeface="Consolas" panose="020B0609020204030204" pitchFamily="49" charset="0"/>
+              </a:rPr>
+              <a:t>224</a:t>
+            </a:r>
+            <a:r>
+              <a:rPr kumimoji="0" lang="zh-CN" altLang="zh-CN" sz="1600" b="0" i="0" u="none" strike="noStrike" cap="none" normalizeH="0" baseline="0" dirty="0">
+                <a:ln>
+                  <a:noFill/>
+                </a:ln>
+                <a:solidFill>
+                  <a:srgbClr val="CC7832"/>
+                </a:solidFill>
+                <a:effectLst/>
+                <a:latin typeface="Consolas" panose="020B0609020204030204" pitchFamily="49" charset="0"/>
+              </a:rPr>
+              <a:t>, </a:t>
+            </a:r>
+            <a:r>
+              <a:rPr kumimoji="0" lang="zh-CN" altLang="zh-CN" sz="1600" b="0" i="0" u="none" strike="noStrike" cap="none" normalizeH="0" baseline="0" dirty="0">
+                <a:ln>
+                  <a:noFill/>
+                </a:ln>
+                <a:solidFill>
+                  <a:srgbClr val="6897BB"/>
+                </a:solidFill>
+                <a:effectLst/>
+                <a:latin typeface="Consolas" panose="020B0609020204030204" pitchFamily="49" charset="0"/>
+              </a:rPr>
+              <a:t>224</a:t>
+            </a:r>
+            <a:r>
+              <a:rPr kumimoji="0" lang="zh-CN" altLang="zh-CN" sz="1600" b="0" i="0" u="none" strike="noStrike" cap="none" normalizeH="0" baseline="0" dirty="0">
+                <a:ln>
+                  <a:noFill/>
+                </a:ln>
+                <a:solidFill>
+                  <a:srgbClr val="A9B7C6"/>
+                </a:solidFill>
+                <a:effectLst/>
+                <a:latin typeface="Consolas" panose="020B0609020204030204" pitchFamily="49" charset="0"/>
+              </a:rPr>
+              <a:t>)</a:t>
+            </a:r>
+            <a:br>
+              <a:rPr kumimoji="0" lang="zh-CN" altLang="zh-CN" sz="1600" b="0" i="0" u="none" strike="noStrike" cap="none" normalizeH="0" baseline="0" dirty="0">
+                <a:ln>
+                  <a:noFill/>
+                </a:ln>
+                <a:solidFill>
+                  <a:srgbClr val="A9B7C6"/>
+                </a:solidFill>
+                <a:effectLst/>
+                <a:latin typeface="Consolas" panose="020B0609020204030204" pitchFamily="49" charset="0"/>
+              </a:rPr>
+            </a:br>
+            <a:r>
+              <a:rPr kumimoji="0" lang="zh-CN" altLang="zh-CN" sz="1600" b="0" i="0" u="none" strike="noStrike" cap="none" normalizeH="0" baseline="0" dirty="0">
+                <a:ln>
+                  <a:noFill/>
+                </a:ln>
+                <a:solidFill>
+                  <a:srgbClr val="72737A"/>
+                </a:solidFill>
+                <a:effectLst/>
+                <a:latin typeface="Consolas" panose="020B0609020204030204" pitchFamily="49" charset="0"/>
+              </a:rPr>
+              <a:t>balance </a:t>
+            </a:r>
+            <a:r>
+              <a:rPr kumimoji="0" lang="zh-CN" altLang="zh-CN" sz="1600" b="0" i="0" u="none" strike="noStrike" cap="none" normalizeH="0" baseline="0" dirty="0">
+                <a:ln>
+                  <a:noFill/>
+                </a:ln>
+                <a:solidFill>
+                  <a:srgbClr val="A9B7C6"/>
+                </a:solidFill>
+                <a:effectLst/>
+                <a:latin typeface="Consolas" panose="020B0609020204030204" pitchFamily="49" charset="0"/>
+              </a:rPr>
+              <a:t>= balance_by_time(partitions</a:t>
+            </a:r>
+            <a:r>
+              <a:rPr kumimoji="0" lang="zh-CN" altLang="zh-CN" sz="1600" b="0" i="0" u="none" strike="noStrike" cap="none" normalizeH="0" baseline="0" dirty="0">
+                <a:ln>
+                  <a:noFill/>
+                </a:ln>
+                <a:solidFill>
+                  <a:srgbClr val="CC7832"/>
+                </a:solidFill>
+                <a:effectLst/>
+                <a:latin typeface="Consolas" panose="020B0609020204030204" pitchFamily="49" charset="0"/>
+              </a:rPr>
+              <a:t>, </a:t>
+            </a:r>
+            <a:r>
+              <a:rPr kumimoji="0" lang="zh-CN" altLang="zh-CN" sz="1600" b="0" i="0" u="none" strike="noStrike" cap="none" normalizeH="0" baseline="0" dirty="0">
+                <a:ln>
+                  <a:noFill/>
+                </a:ln>
+                <a:solidFill>
+                  <a:srgbClr val="A9B7C6"/>
+                </a:solidFill>
+                <a:effectLst/>
+                <a:latin typeface="Consolas" panose="020B0609020204030204" pitchFamily="49" charset="0"/>
+              </a:rPr>
+              <a:t>model</a:t>
+            </a:r>
+            <a:r>
+              <a:rPr kumimoji="0" lang="zh-CN" altLang="zh-CN" sz="1600" b="0" i="0" u="none" strike="noStrike" cap="none" normalizeH="0" baseline="0" dirty="0">
+                <a:ln>
+                  <a:noFill/>
+                </a:ln>
+                <a:solidFill>
+                  <a:srgbClr val="CC7832"/>
+                </a:solidFill>
+                <a:effectLst/>
+                <a:latin typeface="Consolas" panose="020B0609020204030204" pitchFamily="49" charset="0"/>
+              </a:rPr>
+              <a:t>, </a:t>
+            </a:r>
+            <a:r>
+              <a:rPr kumimoji="0" lang="zh-CN" altLang="zh-CN" sz="1600" b="0" i="0" u="none" strike="noStrike" cap="none" normalizeH="0" baseline="0" dirty="0">
+                <a:ln>
+                  <a:noFill/>
+                </a:ln>
+                <a:solidFill>
+                  <a:srgbClr val="A9B7C6"/>
+                </a:solidFill>
+                <a:effectLst/>
+                <a:latin typeface="Consolas" panose="020B0609020204030204" pitchFamily="49" charset="0"/>
+              </a:rPr>
+              <a:t>sample)</a:t>
+            </a:r>
+            <a:endParaRPr kumimoji="0" lang="zh-CN" altLang="zh-CN" sz="2400" b="0" i="0" u="none" strike="noStrike" cap="none" normalizeH="0" baseline="0" dirty="0">
+              <a:ln>
+                <a:noFill/>
+              </a:ln>
+              <a:solidFill>
+                <a:schemeClr val="tx1"/>
+              </a:solidFill>
+              <a:effectLst/>
+              <a:latin typeface="Arial" panose="020B0604020202020204" pitchFamily="34" charset="0"/>
+            </a:endParaRPr>
+          </a:p>
+        </p:txBody>
+      </p:sp>
+      <p:sp>
+        <p:nvSpPr>
+          <p:cNvPr id="18" name="文本框 17">
+            <a:extLst>
+              <a:ext uri="{FF2B5EF4-FFF2-40B4-BE49-F238E27FC236}">
+                <a16:creationId xmlns:a16="http://schemas.microsoft.com/office/drawing/2014/main" id="{DBC135E8-A4DF-4219-9166-CBEEC61AC759}"/>
+              </a:ext>
+            </a:extLst>
+          </p:cNvPr>
+          <p:cNvSpPr txBox="1"/>
+          <p:nvPr/>
+        </p:nvSpPr>
+        <p:spPr>
+          <a:xfrm>
+            <a:off x="7050881" y="4950478"/>
+            <a:ext cx="3100387" cy="646331"/>
+          </a:xfrm>
+          <a:prstGeom prst="rect">
+            <a:avLst/>
+          </a:prstGeom>
+          <a:noFill/>
+        </p:spPr>
+        <p:txBody>
+          <a:bodyPr wrap="square" rtlCol="0">
+            <a:spAutoFit/>
+          </a:bodyPr>
+          <a:lstStyle/>
+          <a:p>
+            <a:r>
+              <a:rPr lang="en-US" altLang="zh-CN" dirty="0"/>
+              <a:t>Image size: 	224 x224 x3</a:t>
+            </a:r>
+          </a:p>
+          <a:p>
+            <a:r>
+              <a:rPr lang="en-US" altLang="zh-CN" dirty="0"/>
+              <a:t>Batch size: 	128</a:t>
             </a:r>
             <a:endParaRPr lang="zh-CN" altLang="en-US" dirty="0"/>
           </a:p>
@@ -16108,8 +17760,8 @@
         </p:nvSpPr>
         <p:spPr>
           <a:xfrm>
-            <a:off x="323851" y="2004501"/>
-            <a:ext cx="8548688" cy="369332"/>
+            <a:off x="381000" y="2063472"/>
+            <a:ext cx="2157849" cy="369332"/>
           </a:xfrm>
           <a:prstGeom prst="rect">
             <a:avLst/>
@@ -16123,10 +17775,18 @@
           <a:lstStyle/>
           <a:p>
             <a:r>
-              <a:rPr lang="en-US" altLang="zh-CN" dirty="0"/>
-              <a:t>Balance by time</a:t>
-            </a:r>
-            <a:endParaRPr lang="zh-CN" altLang="en-US" dirty="0"/>
+              <a:rPr lang="en-US" altLang="zh-CN" b="1" dirty="0">
+                <a:solidFill>
+                  <a:srgbClr val="FF0000"/>
+                </a:solidFill>
+              </a:rPr>
+              <a:t>Balance by time:</a:t>
+            </a:r>
+            <a:endParaRPr lang="zh-CN" altLang="en-US" b="1" dirty="0">
+              <a:solidFill>
+                <a:srgbClr val="FF0000"/>
+              </a:solidFill>
+            </a:endParaRPr>
           </a:p>
         </p:txBody>
       </p:sp>
@@ -16901,7 +18561,7 @@
           <a:p>
             <a:r>
               <a:rPr lang="en-US" altLang="zh-CN" b="1" dirty="0"/>
-              <a:t>Balance = [4, ,4, ,3 ,5]</a:t>
+              <a:t>Balance = [4, 4, 3, 5]</a:t>
             </a:r>
           </a:p>
           <a:p>
@@ -18362,7 +20022,7 @@
         </p:blipFill>
         <p:spPr>
           <a:xfrm>
-            <a:off x="167260" y="1045268"/>
+            <a:off x="191072" y="1045268"/>
             <a:ext cx="6767084" cy="2448695"/>
           </a:xfrm>
           <a:prstGeom prst="rect">
@@ -18415,7 +20075,7 @@
         <p:spPr>
           <a:xfrm>
             <a:off x="6889359" y="1528867"/>
-            <a:ext cx="4536983" cy="1754326"/>
+            <a:ext cx="4476347" cy="2308324"/>
           </a:xfrm>
           <a:prstGeom prst="rect">
             <a:avLst/>
@@ -18438,7 +20098,30 @@
             </a:r>
             <a:r>
               <a:rPr lang="en-US" altLang="zh-CN" dirty="0"/>
-              <a:t> facilitates scaling U-Net models. baseline denotes the baseline without pipeline parallelism nor checkpointing, and pipeline-1, -2, -4, -8 denotes that the model is trained with </a:t>
+              <a:t> facilitates scaling U-Net models. </a:t>
+            </a:r>
+          </a:p>
+          <a:p>
+            <a:endParaRPr lang="en-US" altLang="zh-CN" dirty="0"/>
+          </a:p>
+          <a:p>
+            <a:pPr marL="285750" indent="-285750">
+              <a:buFont typeface="Wingdings" panose="05000000000000000000" pitchFamily="2" charset="2"/>
+              <a:buChar char="Ø"/>
+            </a:pPr>
+            <a:r>
+              <a:rPr lang="en-US" altLang="zh-CN" dirty="0"/>
+              <a:t>baseline denotes that without pipeline parallelism nor checkpointing</a:t>
+            </a:r>
+          </a:p>
+          <a:p>
+            <a:pPr marL="285750" indent="-285750">
+              <a:buFont typeface="Wingdings" panose="05000000000000000000" pitchFamily="2" charset="2"/>
+              <a:buChar char="Ø"/>
+            </a:pPr>
+            <a:r>
+              <a:rPr lang="en-US" altLang="zh-CN" dirty="0"/>
+              <a:t>pipeline-1, -2, -4, -8 denotes that the model is trained with </a:t>
             </a:r>
             <a:r>
               <a:rPr lang="en-US" altLang="zh-CN" dirty="0" err="1"/>
@@ -18448,6 +20131,106 @@
               <a:rPr lang="en-US" altLang="zh-CN" dirty="0"/>
               <a:t> with the corresponding number of partitions.</a:t>
             </a:r>
+          </a:p>
+        </p:txBody>
+      </p:sp>
+      <p:sp>
+        <p:nvSpPr>
+          <p:cNvPr id="4" name="矩形 3">
+            <a:extLst>
+              <a:ext uri="{FF2B5EF4-FFF2-40B4-BE49-F238E27FC236}">
+                <a16:creationId xmlns:a16="http://schemas.microsoft.com/office/drawing/2014/main" id="{4C200381-868F-4612-AC11-13BCF6D78DEE}"/>
+              </a:ext>
+            </a:extLst>
+          </p:cNvPr>
+          <p:cNvSpPr/>
+          <p:nvPr/>
+        </p:nvSpPr>
+        <p:spPr>
+          <a:xfrm>
+            <a:off x="3574614" y="1814513"/>
+            <a:ext cx="2940486" cy="657225"/>
+          </a:xfrm>
+          <a:prstGeom prst="rect">
+            <a:avLst/>
+          </a:prstGeom>
+          <a:noFill/>
+          <a:ln w="28575">
+            <a:solidFill>
+              <a:srgbClr val="FF0000"/>
+            </a:solidFill>
+          </a:ln>
+        </p:spPr>
+        <p:style>
+          <a:lnRef idx="2">
+            <a:schemeClr val="dk1"/>
+          </a:lnRef>
+          <a:fillRef idx="1">
+            <a:schemeClr val="lt1"/>
+          </a:fillRef>
+          <a:effectRef idx="0">
+            <a:schemeClr val="dk1"/>
+          </a:effectRef>
+          <a:fontRef idx="minor">
+            <a:schemeClr val="dk1"/>
+          </a:fontRef>
+        </p:style>
+        <p:txBody>
+          <a:bodyPr rtlCol="0" anchor="ctr"/>
+          <a:lstStyle/>
+          <a:p>
+            <a:pPr algn="ctr"/>
+            <a:endParaRPr lang="zh-CN" altLang="en-US"/>
+          </a:p>
+        </p:txBody>
+      </p:sp>
+      <p:sp>
+        <p:nvSpPr>
+          <p:cNvPr id="7" name="矩形 6">
+            <a:extLst>
+              <a:ext uri="{FF2B5EF4-FFF2-40B4-BE49-F238E27FC236}">
+                <a16:creationId xmlns:a16="http://schemas.microsoft.com/office/drawing/2014/main" id="{B32004DF-0F63-483F-BD94-395BDC7D0386}"/>
+              </a:ext>
+            </a:extLst>
+          </p:cNvPr>
+          <p:cNvSpPr/>
+          <p:nvPr/>
+        </p:nvSpPr>
+        <p:spPr>
+          <a:xfrm>
+            <a:off x="5044857" y="2143125"/>
+            <a:ext cx="1598831" cy="1350838"/>
+          </a:xfrm>
+          <a:prstGeom prst="rect">
+            <a:avLst/>
+          </a:prstGeom>
+          <a:noFill/>
+          <a:ln w="28575">
+            <a:solidFill>
+              <a:srgbClr val="FF0000"/>
+            </a:solidFill>
+          </a:ln>
+        </p:spPr>
+        <p:style>
+          <a:lnRef idx="2">
+            <a:schemeClr val="dk1"/>
+          </a:lnRef>
+          <a:fillRef idx="1">
+            <a:schemeClr val="lt1"/>
+          </a:fillRef>
+          <a:effectRef idx="0">
+            <a:schemeClr val="dk1"/>
+          </a:effectRef>
+          <a:fontRef idx="minor">
+            <a:schemeClr val="dk1"/>
+          </a:fontRef>
+        </p:style>
+        <p:txBody>
+          <a:bodyPr rtlCol="0" anchor="ctr"/>
+          <a:lstStyle/>
+          <a:p>
+            <a:pPr algn="ctr"/>
+            <a:endParaRPr lang="zh-CN" altLang="en-US"/>
           </a:p>
         </p:txBody>
       </p:sp>
@@ -18461,6 +20244,192 @@
   <p:clrMapOvr>
     <a:masterClrMapping/>
   </p:clrMapOvr>
+  <p:timing>
+    <p:tnLst>
+      <p:par>
+        <p:cTn id="1" dur="indefinite" restart="never" nodeType="tmRoot">
+          <p:childTnLst>
+            <p:seq concurrent="1" nextAc="seek">
+              <p:cTn id="2" dur="indefinite" nodeType="mainSeq">
+                <p:childTnLst>
+                  <p:par>
+                    <p:cTn id="3" fill="hold">
+                      <p:stCondLst>
+                        <p:cond delay="indefinite"/>
+                      </p:stCondLst>
+                      <p:childTnLst>
+                        <p:par>
+                          <p:cTn id="4" fill="hold">
+                            <p:stCondLst>
+                              <p:cond delay="0"/>
+                            </p:stCondLst>
+                            <p:childTnLst>
+                              <p:par>
+                                <p:cTn id="5" presetID="42" presetClass="entr" presetSubtype="0" fill="hold" grpId="0" nodeType="clickEffect">
+                                  <p:stCondLst>
+                                    <p:cond delay="0"/>
+                                  </p:stCondLst>
+                                  <p:childTnLst>
+                                    <p:set>
+                                      <p:cBhvr>
+                                        <p:cTn id="6" dur="1" fill="hold">
+                                          <p:stCondLst>
+                                            <p:cond delay="0"/>
+                                          </p:stCondLst>
+                                        </p:cTn>
+                                        <p:tgtEl>
+                                          <p:spTgt spid="4"/>
+                                        </p:tgtEl>
+                                        <p:attrNameLst>
+                                          <p:attrName>style.visibility</p:attrName>
+                                        </p:attrNameLst>
+                                      </p:cBhvr>
+                                      <p:to>
+                                        <p:strVal val="visible"/>
+                                      </p:to>
+                                    </p:set>
+                                    <p:animEffect transition="in" filter="fade">
+                                      <p:cBhvr>
+                                        <p:cTn id="7" dur="1000"/>
+                                        <p:tgtEl>
+                                          <p:spTgt spid="4"/>
+                                        </p:tgtEl>
+                                      </p:cBhvr>
+                                    </p:animEffect>
+                                    <p:anim calcmode="lin" valueType="num">
+                                      <p:cBhvr>
+                                        <p:cTn id="8" dur="1000" fill="hold"/>
+                                        <p:tgtEl>
+                                          <p:spTgt spid="4"/>
+                                        </p:tgtEl>
+                                        <p:attrNameLst>
+                                          <p:attrName>ppt_x</p:attrName>
+                                        </p:attrNameLst>
+                                      </p:cBhvr>
+                                      <p:tavLst>
+                                        <p:tav tm="0">
+                                          <p:val>
+                                            <p:strVal val="#ppt_x"/>
+                                          </p:val>
+                                        </p:tav>
+                                        <p:tav tm="100000">
+                                          <p:val>
+                                            <p:strVal val="#ppt_x"/>
+                                          </p:val>
+                                        </p:tav>
+                                      </p:tavLst>
+                                    </p:anim>
+                                    <p:anim calcmode="lin" valueType="num">
+                                      <p:cBhvr>
+                                        <p:cTn id="9" dur="1000" fill="hold"/>
+                                        <p:tgtEl>
+                                          <p:spTgt spid="4"/>
+                                        </p:tgtEl>
+                                        <p:attrNameLst>
+                                          <p:attrName>ppt_y</p:attrName>
+                                        </p:attrNameLst>
+                                      </p:cBhvr>
+                                      <p:tavLst>
+                                        <p:tav tm="0">
+                                          <p:val>
+                                            <p:strVal val="#ppt_y+.1"/>
+                                          </p:val>
+                                        </p:tav>
+                                        <p:tav tm="100000">
+                                          <p:val>
+                                            <p:strVal val="#ppt_y"/>
+                                          </p:val>
+                                        </p:tav>
+                                      </p:tavLst>
+                                    </p:anim>
+                                  </p:childTnLst>
+                                </p:cTn>
+                              </p:par>
+                            </p:childTnLst>
+                          </p:cTn>
+                        </p:par>
+                      </p:childTnLst>
+                    </p:cTn>
+                  </p:par>
+                  <p:par>
+                    <p:cTn id="10" fill="hold">
+                      <p:stCondLst>
+                        <p:cond delay="indefinite"/>
+                      </p:stCondLst>
+                      <p:childTnLst>
+                        <p:par>
+                          <p:cTn id="11" fill="hold">
+                            <p:stCondLst>
+                              <p:cond delay="0"/>
+                            </p:stCondLst>
+                            <p:childTnLst>
+                              <p:par>
+                                <p:cTn id="12" presetID="22" presetClass="entr" presetSubtype="4" fill="hold" grpId="0" nodeType="clickEffect">
+                                  <p:stCondLst>
+                                    <p:cond delay="0"/>
+                                  </p:stCondLst>
+                                  <p:childTnLst>
+                                    <p:set>
+                                      <p:cBhvr>
+                                        <p:cTn id="13" dur="1" fill="hold">
+                                          <p:stCondLst>
+                                            <p:cond delay="0"/>
+                                          </p:stCondLst>
+                                        </p:cTn>
+                                        <p:tgtEl>
+                                          <p:spTgt spid="7"/>
+                                        </p:tgtEl>
+                                        <p:attrNameLst>
+                                          <p:attrName>style.visibility</p:attrName>
+                                        </p:attrNameLst>
+                                      </p:cBhvr>
+                                      <p:to>
+                                        <p:strVal val="visible"/>
+                                      </p:to>
+                                    </p:set>
+                                    <p:animEffect transition="in" filter="wipe(down)">
+                                      <p:cBhvr>
+                                        <p:cTn id="14" dur="500"/>
+                                        <p:tgtEl>
+                                          <p:spTgt spid="7"/>
+                                        </p:tgtEl>
+                                      </p:cBhvr>
+                                    </p:animEffect>
+                                  </p:childTnLst>
+                                </p:cTn>
+                              </p:par>
+                            </p:childTnLst>
+                          </p:cTn>
+                        </p:par>
+                      </p:childTnLst>
+                    </p:cTn>
+                  </p:par>
+                </p:childTnLst>
+              </p:cTn>
+              <p:prevCondLst>
+                <p:cond evt="onPrev" delay="0">
+                  <p:tgtEl>
+                    <p:sldTgt/>
+                  </p:tgtEl>
+                </p:cond>
+              </p:prevCondLst>
+              <p:nextCondLst>
+                <p:cond evt="onNext" delay="0">
+                  <p:tgtEl>
+                    <p:sldTgt/>
+                  </p:tgtEl>
+                </p:cond>
+              </p:nextCondLst>
+            </p:seq>
+          </p:childTnLst>
+        </p:cTn>
+      </p:par>
+    </p:tnLst>
+    <p:bldLst>
+      <p:bldP spid="4" grpId="0" animBg="1"/>
+      <p:bldP spid="7" grpId="0" animBg="1"/>
+    </p:bldLst>
+  </p:timing>
 </p:sld>
 </file>
 
@@ -18881,8 +20850,8 @@
         </p:blipFill>
         <p:spPr>
           <a:xfrm>
-            <a:off x="284568" y="1033425"/>
-            <a:ext cx="4934463" cy="3465424"/>
+            <a:off x="381000" y="943573"/>
+            <a:ext cx="4530320" cy="3181598"/>
           </a:xfrm>
           <a:prstGeom prst="rect">
             <a:avLst/>
@@ -18911,7 +20880,7 @@
         </p:blipFill>
         <p:spPr>
           <a:xfrm>
-            <a:off x="5474589" y="1105844"/>
+            <a:off x="5310283" y="998739"/>
             <a:ext cx="5651829" cy="4443698"/>
           </a:xfrm>
           <a:prstGeom prst="rect">
@@ -19006,6 +20975,86 @@
           </a:p>
         </p:txBody>
       </p:sp>
+      <p:sp>
+        <p:nvSpPr>
+          <p:cNvPr id="2" name="矩形 1">
+            <a:extLst>
+              <a:ext uri="{FF2B5EF4-FFF2-40B4-BE49-F238E27FC236}">
+                <a16:creationId xmlns:a16="http://schemas.microsoft.com/office/drawing/2014/main" id="{79ED4760-D4EE-41AF-87E1-31B5A27A688C}"/>
+              </a:ext>
+            </a:extLst>
+          </p:cNvPr>
+          <p:cNvSpPr/>
+          <p:nvPr/>
+        </p:nvSpPr>
+        <p:spPr>
+          <a:xfrm>
+            <a:off x="3418275" y="2239011"/>
+            <a:ext cx="1428750" cy="764381"/>
+          </a:xfrm>
+          <a:prstGeom prst="rect">
+            <a:avLst/>
+          </a:prstGeom>
+          <a:noFill/>
+          <a:ln w="28575">
+            <a:solidFill>
+              <a:srgbClr val="FF0000"/>
+            </a:solidFill>
+          </a:ln>
+        </p:spPr>
+        <p:style>
+          <a:lnRef idx="2">
+            <a:schemeClr val="dk1"/>
+          </a:lnRef>
+          <a:fillRef idx="1">
+            <a:schemeClr val="lt1"/>
+          </a:fillRef>
+          <a:effectRef idx="0">
+            <a:schemeClr val="dk1"/>
+          </a:effectRef>
+          <a:fontRef idx="minor">
+            <a:schemeClr val="dk1"/>
+          </a:fontRef>
+        </p:style>
+        <p:txBody>
+          <a:bodyPr rtlCol="0" anchor="ctr"/>
+          <a:lstStyle/>
+          <a:p>
+            <a:pPr algn="ctr"/>
+            <a:endParaRPr lang="zh-CN" altLang="en-US"/>
+          </a:p>
+        </p:txBody>
+      </p:sp>
+      <p:graphicFrame>
+        <p:nvGraphicFramePr>
+          <p:cNvPr id="10" name="图表 9">
+            <a:extLst>
+              <a:ext uri="{FF2B5EF4-FFF2-40B4-BE49-F238E27FC236}">
+                <a16:creationId xmlns:a16="http://schemas.microsoft.com/office/drawing/2014/main" id="{D25B55A3-6158-4862-B3EE-5EDB64E9C1C7}"/>
+              </a:ext>
+            </a:extLst>
+          </p:cNvPr>
+          <p:cNvGraphicFramePr>
+            <a:graphicFrameLocks/>
+          </p:cNvGraphicFramePr>
+          <p:nvPr>
+            <p:extLst>
+              <p:ext uri="{D42A27DB-BD31-4B8C-83A1-F6EECF244321}">
+                <p14:modId xmlns:p14="http://schemas.microsoft.com/office/powerpoint/2010/main" val="269541699"/>
+              </p:ext>
+            </p:extLst>
+          </p:nvPr>
+        </p:nvGraphicFramePr>
+        <p:xfrm>
+          <a:off x="529801" y="4243600"/>
+          <a:ext cx="4381519" cy="1819816"/>
+        </p:xfrm>
+        <a:graphic>
+          <a:graphicData uri="http://schemas.openxmlformats.org/drawingml/2006/chart">
+            <c:chart xmlns:c="http://schemas.openxmlformats.org/drawingml/2006/chart" xmlns:r="http://schemas.openxmlformats.org/officeDocument/2006/relationships" r:id="rId6"/>
+          </a:graphicData>
+        </a:graphic>
+      </p:graphicFrame>
     </p:spTree>
     <p:extLst>
       <p:ext uri="{BB962C8B-B14F-4D97-AF65-F5344CB8AC3E}">
@@ -19448,7 +21497,15 @@
             </a:pPr>
             <a:r>
               <a:rPr lang="zh-CN" altLang="en-US" dirty="0"/>
-              <a:t>re-computation time was the main contributor to GPipe overhead, taking up to 23% of the total step time</a:t>
+              <a:t>re-computation time was the main contributor to GPipe overhead, taking up to 2</a:t>
+            </a:r>
+            <a:r>
+              <a:rPr lang="en-US" altLang="zh-CN" dirty="0"/>
+              <a:t>2.5</a:t>
+            </a:r>
+            <a:r>
+              <a:rPr lang="zh-CN" altLang="en-US" dirty="0"/>
+              <a:t>% of the total step time</a:t>
             </a:r>
             <a:endParaRPr lang="en-US" altLang="zh-CN" dirty="0"/>
           </a:p>
@@ -19993,7 +22050,7 @@
         <p:spPr>
           <a:xfrm>
             <a:off x="380999" y="1235869"/>
-            <a:ext cx="10541795" cy="3139321"/>
+            <a:ext cx="10541795" cy="3416320"/>
           </a:xfrm>
           <a:prstGeom prst="rect">
             <a:avLst/>
@@ -20016,7 +22073,7 @@
             </a:r>
             <a:r>
               <a:rPr lang="en-US" altLang="zh-CN" dirty="0"/>
-              <a:t>are remembered. All other intermediate tensors are volatilized, and recomputed during backpropagation when necessary. Specifically, hidden layers consume the memory which is required by only a single micro-batch with checkpointing.</a:t>
+              <a:t>are remembered. All other intermediate tensors are volatilized, and recomputed during back propagation when necessary. Specifically, hidden layers consume the memory which is required by only a single micro-batch with checkpointing.</a:t>
             </a:r>
           </a:p>
           <a:p>
@@ -20025,15 +22082,23 @@
           <a:p>
             <a:r>
               <a:rPr lang="en-US" altLang="zh-CN" dirty="0"/>
-              <a:t>Checkpointing is a trade-off between performance and memory, because </a:t>
-            </a:r>
-            <a:r>
-              <a:rPr lang="en-US" altLang="zh-CN" dirty="0" err="1"/>
-              <a:t>recomputation</a:t>
+              <a:t>Checkpointing is a trade-off between </a:t>
+            </a:r>
+            <a:r>
+              <a:rPr lang="en-US" altLang="zh-CN" b="1" dirty="0"/>
+              <a:t>performance</a:t>
             </a:r>
             <a:r>
               <a:rPr lang="en-US" altLang="zh-CN" dirty="0"/>
-              <a:t> spends time just as much as the forward propagation. </a:t>
+              <a:t> and </a:t>
+            </a:r>
+            <a:r>
+              <a:rPr lang="en-US" altLang="zh-CN" b="1" dirty="0"/>
+              <a:t>memory</a:t>
+            </a:r>
+            <a:r>
+              <a:rPr lang="en-US" altLang="zh-CN" dirty="0"/>
+              <a:t>, because re-computation spends time just as much as the forward propagation. </a:t>
             </a:r>
           </a:p>
           <a:p>
@@ -20046,7 +22111,14 @@
             </a:pPr>
             <a:r>
               <a:rPr lang="en-US" altLang="zh-CN" dirty="0"/>
-              <a:t>The default set of checkpoint = activate’, meaning you want take memory to remember intermediate tensor</a:t>
+              <a:t>The default set of checkpoint = ‘activate’, meaning you want take memory to remember intermediate tensor</a:t>
+            </a:r>
+          </a:p>
+          <a:p>
+            <a:pPr algn="ctr"/>
+            <a:r>
+              <a:rPr lang="en-US" altLang="zh-CN" dirty="0"/>
+              <a:t>or</a:t>
             </a:r>
           </a:p>
           <a:p>
@@ -20493,7 +22565,7 @@
         <p:spPr>
           <a:xfrm>
             <a:off x="381000" y="1235869"/>
-            <a:ext cx="10456070" cy="2308324"/>
+            <a:ext cx="10456070" cy="2862322"/>
           </a:xfrm>
           <a:prstGeom prst="rect">
             <a:avLst/>
@@ -20533,7 +22605,22 @@
           <a:p>
             <a:r>
               <a:rPr lang="en-US" altLang="zh-CN" dirty="0"/>
-              <a:t>GPU may slow down when processing many small micro-batches compared to larger micro-batches. GPU will not be fully utilized if each CUDA kernel is too cheap to compute, hence too small micro-batches cause underutilization. On the other hand, the area of bubble is minimized when the size of each micro-batch is minimal. Ideally, we should choose the largest number of micro-batches that doesn’t underutilize GPUs.</a:t>
+              <a:t>GPU may slow down when processing many small micro-batches compared to larger micro-batches. GPU will not be fully utilized if each CUDA kernel is too cheap to compute, hence too small micro-batches cause underutilization. </a:t>
+            </a:r>
+          </a:p>
+          <a:p>
+            <a:r>
+              <a:rPr lang="en-US" altLang="zh-CN" dirty="0"/>
+              <a:t>On the other hand, the area of bubble is minimized when the size of each micro-batch is minimal. </a:t>
+            </a:r>
+          </a:p>
+          <a:p>
+            <a:endParaRPr lang="en-US" altLang="zh-CN" dirty="0"/>
+          </a:p>
+          <a:p>
+            <a:r>
+              <a:rPr lang="en-US" altLang="zh-CN" dirty="0"/>
+              <a:t>Ideally, we should choose the largest number of micro-batches that doesn’t underutilize GPUs.</a:t>
             </a:r>
           </a:p>
           <a:p>
@@ -21001,7 +23088,7 @@
         </p:nvSpPr>
         <p:spPr>
           <a:xfrm>
-            <a:off x="565711" y="3380622"/>
+            <a:off x="565711" y="3686535"/>
             <a:ext cx="1605941" cy="327200"/>
           </a:xfrm>
           <a:prstGeom prst="rect">
@@ -21384,6 +23471,57 @@
           </a:fontRef>
         </p:style>
       </p:cxnSp>
+      <p:sp>
+        <p:nvSpPr>
+          <p:cNvPr id="4" name="矩形 3">
+            <a:extLst>
+              <a:ext uri="{FF2B5EF4-FFF2-40B4-BE49-F238E27FC236}">
+                <a16:creationId xmlns:a16="http://schemas.microsoft.com/office/drawing/2014/main" id="{C7CFBB6A-5E6C-4D27-AB04-202214146910}"/>
+              </a:ext>
+            </a:extLst>
+          </p:cNvPr>
+          <p:cNvSpPr/>
+          <p:nvPr/>
+        </p:nvSpPr>
+        <p:spPr>
+          <a:xfrm>
+            <a:off x="565711" y="3297862"/>
+            <a:ext cx="4827650" cy="338554"/>
+          </a:xfrm>
+          <a:prstGeom prst="rect">
+            <a:avLst/>
+          </a:prstGeom>
+        </p:spPr>
+        <p:txBody>
+          <a:bodyPr wrap="square">
+            <a:spAutoFit/>
+          </a:bodyPr>
+          <a:lstStyle/>
+          <a:p>
+            <a:r>
+              <a:rPr lang="en-US" altLang="zh-CN" sz="1600" dirty="0" err="1">
+                <a:solidFill>
+                  <a:schemeClr val="accent6">
+                    <a:lumMod val="50000"/>
+                  </a:schemeClr>
+                </a:solidFill>
+              </a:rPr>
+              <a:t>MicroSoft</a:t>
+            </a:r>
+            <a:r>
+              <a:rPr lang="en-US" altLang="zh-CN" sz="1600" dirty="0">
+                <a:solidFill>
+                  <a:schemeClr val="accent6">
+                    <a:lumMod val="50000"/>
+                  </a:schemeClr>
+                </a:solidFill>
+              </a:rPr>
+              <a:t>, CMU, Stanford</a:t>
+            </a:r>
+            <a:endParaRPr lang="zh-CN" altLang="en-US" sz="1600" dirty="0"/>
+          </a:p>
+        </p:txBody>
+      </p:sp>
     </p:spTree>
     <p:extLst>
       <p:ext uri="{BB962C8B-B14F-4D97-AF65-F5344CB8AC3E}">
@@ -21869,7 +24007,7 @@
             </a:pPr>
             <a:r>
               <a:rPr lang="en-US" altLang="zh-CN" dirty="0"/>
-              <a:t>Its algorithm partitions DNN layers into stages such that each stage completes at roughly the same rate, while trying to minimize communication across workers in a topology-aware way.</a:t>
+              <a:t>Its algorithm partitions DNN layers into stages such that each stage computes at roughly the same rate, while trying to minimize communication across workers in a topology-aware way.</a:t>
             </a:r>
           </a:p>
           <a:p>
@@ -21887,7 +24025,15 @@
             </a:r>
             <a:r>
               <a:rPr lang="en-US" altLang="zh-CN" dirty="0"/>
-              <a:t> allows a stage to be replicated (i.e., </a:t>
+              <a:t> allows a stage to be </a:t>
+            </a:r>
+            <a:r>
+              <a:rPr lang="en-US" altLang="zh-CN" b="1" dirty="0"/>
+              <a:t>replicated</a:t>
+            </a:r>
+            <a:r>
+              <a:rPr lang="en-US" altLang="zh-CN" dirty="0"/>
+              <a:t> (i.e., </a:t>
             </a:r>
             <a:r>
               <a:rPr lang="en-US" altLang="zh-CN" b="1" dirty="0"/>
@@ -21979,7 +24125,15 @@
             </a:r>
             <a:r>
               <a:rPr lang="zh-CN" altLang="en-US" dirty="0"/>
-              <a:t>s compute time and output size. Using these estimates, PipeDream</a:t>
+              <a:t>s comput</a:t>
+            </a:r>
+            <a:r>
+              <a:rPr lang="en-US" altLang="zh-CN" dirty="0" err="1"/>
+              <a:t>ing</a:t>
+            </a:r>
+            <a:r>
+              <a:rPr lang="zh-CN" altLang="en-US" dirty="0"/>
+              <a:t> time and output size. Using these estimates, PipeDream</a:t>
             </a:r>
             <a:r>
               <a:rPr lang="en-US" altLang="zh-CN" dirty="0"/>
@@ -22037,6 +24191,77 @@
               <a:t>’ imbalanced model partition</a:t>
             </a:r>
             <a:endParaRPr lang="zh-CN" altLang="en-US" dirty="0"/>
+          </a:p>
+        </p:txBody>
+      </p:sp>
+      <p:sp>
+        <p:nvSpPr>
+          <p:cNvPr id="7" name="矩形 6">
+            <a:extLst>
+              <a:ext uri="{FF2B5EF4-FFF2-40B4-BE49-F238E27FC236}">
+                <a16:creationId xmlns:a16="http://schemas.microsoft.com/office/drawing/2014/main" id="{C772F90B-F082-4587-9973-AD5A35D246F6}"/>
+              </a:ext>
+            </a:extLst>
+          </p:cNvPr>
+          <p:cNvSpPr/>
+          <p:nvPr/>
+        </p:nvSpPr>
+        <p:spPr>
+          <a:xfrm>
+            <a:off x="565711" y="2975225"/>
+            <a:ext cx="4827650" cy="338554"/>
+          </a:xfrm>
+          <a:prstGeom prst="rect">
+            <a:avLst/>
+          </a:prstGeom>
+        </p:spPr>
+        <p:txBody>
+          <a:bodyPr wrap="square">
+            <a:spAutoFit/>
+          </a:bodyPr>
+          <a:lstStyle/>
+          <a:p>
+            <a:r>
+              <a:rPr lang="en-US" altLang="zh-CN" sz="1600" b="1" dirty="0">
+                <a:solidFill>
+                  <a:schemeClr val="accent6">
+                    <a:lumMod val="50000"/>
+                  </a:schemeClr>
+                </a:solidFill>
+              </a:rPr>
+              <a:t>Deepak Narayanan, Aaron </a:t>
+            </a:r>
+            <a:r>
+              <a:rPr lang="en-US" altLang="zh-CN" sz="1600" b="1" dirty="0" err="1">
+                <a:solidFill>
+                  <a:schemeClr val="accent6">
+                    <a:lumMod val="50000"/>
+                  </a:schemeClr>
+                </a:solidFill>
+              </a:rPr>
+              <a:t>Harlap</a:t>
+            </a:r>
+            <a:r>
+              <a:rPr lang="en-US" altLang="zh-CN" sz="1600" b="1" dirty="0">
+                <a:solidFill>
+                  <a:schemeClr val="accent6">
+                    <a:lumMod val="50000"/>
+                  </a:schemeClr>
+                </a:solidFill>
+              </a:rPr>
+              <a:t>, Amar </a:t>
+            </a:r>
+            <a:r>
+              <a:rPr lang="en-US" altLang="zh-CN" sz="1600" b="1" dirty="0" err="1">
+                <a:solidFill>
+                  <a:schemeClr val="accent6">
+                    <a:lumMod val="50000"/>
+                  </a:schemeClr>
+                </a:solidFill>
+              </a:rPr>
+              <a:t>Phanishayee</a:t>
+            </a:r>
+            <a:endParaRPr lang="zh-CN" altLang="en-US" sz="1600" b="1" dirty="0"/>
           </a:p>
         </p:txBody>
       </p:sp>
@@ -22450,72 +24675,6 @@
       </p:sp>
       <p:sp>
         <p:nvSpPr>
-          <p:cNvPr id="2" name="文本框 1">
-            <a:extLst>
-              <a:ext uri="{FF2B5EF4-FFF2-40B4-BE49-F238E27FC236}">
-                <a16:creationId xmlns:a16="http://schemas.microsoft.com/office/drawing/2014/main" id="{7D0004BD-947F-4C46-A75D-7F4E3CE72D7C}"/>
-              </a:ext>
-            </a:extLst>
-          </p:cNvPr>
-          <p:cNvSpPr txBox="1"/>
-          <p:nvPr/>
-        </p:nvSpPr>
-        <p:spPr>
-          <a:xfrm>
-            <a:off x="381000" y="1196302"/>
-            <a:ext cx="8060369" cy="1200329"/>
-          </a:xfrm>
-          <a:prstGeom prst="rect">
-            <a:avLst/>
-          </a:prstGeom>
-          <a:noFill/>
-        </p:spPr>
-        <p:txBody>
-          <a:bodyPr wrap="square" rtlCol="0">
-            <a:spAutoFit/>
-          </a:bodyPr>
-          <a:lstStyle/>
-          <a:p>
-            <a:r>
-              <a:rPr lang="en-US" altLang="zh-CN" dirty="0"/>
-              <a:t>The partitioning algorithm takes the output of the profiling step, and computes: </a:t>
-            </a:r>
-          </a:p>
-          <a:p>
-            <a:pPr marL="342900" indent="-342900">
-              <a:buFont typeface="+mj-lt"/>
-              <a:buAutoNum type="arabicPeriod"/>
-            </a:pPr>
-            <a:r>
-              <a:rPr lang="en-US" altLang="zh-CN" dirty="0"/>
-              <a:t>a partitioning of layers into stages</a:t>
-            </a:r>
-          </a:p>
-          <a:p>
-            <a:pPr marL="342900" indent="-342900">
-              <a:buFont typeface="+mj-lt"/>
-              <a:buAutoNum type="arabicPeriod"/>
-            </a:pPr>
-            <a:r>
-              <a:rPr lang="en-US" altLang="zh-CN" dirty="0"/>
-              <a:t>the replication factor (number of workers) for each stage</a:t>
-            </a:r>
-          </a:p>
-          <a:p>
-            <a:pPr marL="342900" indent="-342900">
-              <a:buFont typeface="+mj-lt"/>
-              <a:buAutoNum type="arabicPeriod"/>
-            </a:pPr>
-            <a:r>
-              <a:rPr lang="en-US" altLang="zh-CN" dirty="0"/>
-              <a:t>optimal number of mini-batches to keep the training pipeline busy.</a:t>
-            </a:r>
-            <a:endParaRPr lang="zh-CN" altLang="en-US" dirty="0"/>
-          </a:p>
-        </p:txBody>
-      </p:sp>
-      <p:sp>
-        <p:nvSpPr>
           <p:cNvPr id="11" name="文本框 10">
             <a:extLst>
               <a:ext uri="{FF2B5EF4-FFF2-40B4-BE49-F238E27FC236}">
@@ -22528,7 +24687,7 @@
         </p:nvSpPr>
         <p:spPr>
           <a:xfrm>
-            <a:off x="1174994" y="5761424"/>
+            <a:off x="1174995" y="4119991"/>
             <a:ext cx="6172200" cy="369332"/>
           </a:xfrm>
           <a:prstGeom prst="rect">
@@ -22580,7 +24739,7 @@
         </p:blipFill>
         <p:spPr>
           <a:xfrm>
-            <a:off x="381000" y="3194206"/>
+            <a:off x="381000" y="1552773"/>
             <a:ext cx="7760189" cy="2467492"/>
           </a:xfrm>
           <a:prstGeom prst="rect">
@@ -22602,8 +24761,8 @@
         </p:nvSpPr>
         <p:spPr>
           <a:xfrm>
-            <a:off x="380999" y="2666960"/>
-            <a:ext cx="9648139" cy="369332"/>
+            <a:off x="381000" y="1025527"/>
+            <a:ext cx="11227231" cy="369332"/>
           </a:xfrm>
           <a:prstGeom prst="rect">
             <a:avLst/>
@@ -22634,8 +24793,74 @@
               <a:defRPr/>
             </a:pPr>
             <a:r>
+              <a:rPr lang="en-US" altLang="zh-CN" strike="noStrike" dirty="0"/>
+              <a:t>we can assume worker1 and worker2 as a whole replicated stages for the purpose that keep pace with worker3.</a:t>
+            </a:r>
+            <a:endParaRPr lang="zh-CN" altLang="en-US" dirty="0"/>
+          </a:p>
+        </p:txBody>
+      </p:sp>
+      <p:sp>
+        <p:nvSpPr>
+          <p:cNvPr id="4" name="文本框 3">
+            <a:extLst>
+              <a:ext uri="{FF2B5EF4-FFF2-40B4-BE49-F238E27FC236}">
+                <a16:creationId xmlns:a16="http://schemas.microsoft.com/office/drawing/2014/main" id="{06E60D06-B53A-450C-9338-6AA8A44B01EF}"/>
+              </a:ext>
+            </a:extLst>
+          </p:cNvPr>
+          <p:cNvSpPr txBox="1"/>
+          <p:nvPr/>
+        </p:nvSpPr>
+        <p:spPr>
+          <a:xfrm>
+            <a:off x="381000" y="4804283"/>
+            <a:ext cx="9408042" cy="1200329"/>
+          </a:xfrm>
+          <a:prstGeom prst="rect">
+            <a:avLst/>
+          </a:prstGeom>
+          <a:noFill/>
+        </p:spPr>
+        <p:txBody>
+          <a:bodyPr wrap="square" rtlCol="0">
+            <a:spAutoFit/>
+          </a:bodyPr>
+          <a:lstStyle/>
+          <a:p>
+            <a:r>
               <a:rPr lang="en-US" altLang="zh-CN" dirty="0"/>
-              <a:t>In worker1 and worker2, the author use data parallelism to make the pipeline as parallel as possible.</a:t>
+              <a:t>In summary, the partitioning algorithm takes the output of the profiling step, and computes: </a:t>
+            </a:r>
+          </a:p>
+          <a:p>
+            <a:pPr marL="342900" indent="-342900">
+              <a:buFont typeface="+mj-lt"/>
+              <a:buAutoNum type="arabicPeriod"/>
+            </a:pPr>
+            <a:r>
+              <a:rPr lang="en-US" altLang="zh-CN" dirty="0"/>
+              <a:t>a partitioning of layers into stages</a:t>
+            </a:r>
+          </a:p>
+          <a:p>
+            <a:pPr marL="342900" indent="-342900">
+              <a:buFont typeface="+mj-lt"/>
+              <a:buAutoNum type="arabicPeriod"/>
+            </a:pPr>
+            <a:r>
+              <a:rPr lang="en-US" altLang="zh-CN" dirty="0"/>
+              <a:t>the replication factor (number of workers) for each stage</a:t>
+            </a:r>
+          </a:p>
+          <a:p>
+            <a:pPr marL="342900" indent="-342900">
+              <a:buFont typeface="+mj-lt"/>
+              <a:buAutoNum type="arabicPeriod"/>
+            </a:pPr>
+            <a:r>
+              <a:rPr lang="en-US" altLang="zh-CN" dirty="0"/>
+              <a:t>optimal number of mini-batches to keep the training pipeline busy.</a:t>
             </a:r>
             <a:endParaRPr lang="zh-CN" altLang="en-US" dirty="0"/>
           </a:p>
@@ -23064,7 +25289,7 @@
         <p:spPr>
           <a:xfrm>
             <a:off x="380999" y="1235869"/>
-            <a:ext cx="11227232" cy="1754326"/>
+            <a:ext cx="11227232" cy="1477328"/>
           </a:xfrm>
           <a:prstGeom prst="rect">
             <a:avLst/>
@@ -23124,9 +25349,64 @@
             </a:r>
             <a:r>
               <a:rPr lang="en-US" altLang="zh-CN" dirty="0"/>
-              <a:t>for a different minibatch, pushing the minibatch to upstream workers. In addition, how should minibatches be routed with replicated stages?</a:t>
+              <a:t>for a different minibatch, pushing the minibatch to upstream workers.</a:t>
             </a:r>
             <a:endParaRPr lang="zh-CN" altLang="en-US" dirty="0"/>
+          </a:p>
+        </p:txBody>
+      </p:sp>
+      <p:sp>
+        <p:nvSpPr>
+          <p:cNvPr id="8" name="文本框 7">
+            <a:extLst>
+              <a:ext uri="{FF2B5EF4-FFF2-40B4-BE49-F238E27FC236}">
+                <a16:creationId xmlns:a16="http://schemas.microsoft.com/office/drawing/2014/main" id="{4C5BA2D4-BC83-4900-805E-141196FC02DD}"/>
+              </a:ext>
+            </a:extLst>
+          </p:cNvPr>
+          <p:cNvSpPr txBox="1"/>
+          <p:nvPr/>
+        </p:nvSpPr>
+        <p:spPr>
+          <a:xfrm>
+            <a:off x="380999" y="3568290"/>
+            <a:ext cx="10705215" cy="1877437"/>
+          </a:xfrm>
+          <a:prstGeom prst="rect">
+            <a:avLst/>
+          </a:prstGeom>
+          <a:noFill/>
+        </p:spPr>
+        <p:txBody>
+          <a:bodyPr wrap="square">
+            <a:spAutoFit/>
+          </a:bodyPr>
+          <a:lstStyle/>
+          <a:p>
+            <a:r>
+              <a:rPr lang="en-US" altLang="zh-CN" sz="2400" dirty="0"/>
+              <a:t>1F1B</a:t>
+            </a:r>
+            <a:r>
+              <a:rPr lang="zh-CN" altLang="en-US" sz="2400" dirty="0"/>
+              <a:t>：</a:t>
+            </a:r>
+            <a:r>
+              <a:rPr lang="en-US" altLang="zh-CN" sz="2400" dirty="0"/>
+              <a:t>1 forward 1 backward:</a:t>
+            </a:r>
+          </a:p>
+          <a:p>
+            <a:endParaRPr lang="en-US" altLang="zh-CN" dirty="0"/>
+          </a:p>
+          <a:p>
+            <a:r>
+              <a:rPr lang="en-US" altLang="zh-CN" dirty="0"/>
+              <a:t>1F1B ensures that every GPU is occupied with a minibatch in a balanced pipeline, with each stage producing outputs in aggregate at roughly the same rate. It also ensures backward passes from inputs are applied at regular intervals of time.</a:t>
+            </a:r>
+          </a:p>
+          <a:p>
+            <a:endParaRPr lang="en-US" altLang="zh-CN" sz="2000" dirty="0"/>
           </a:p>
         </p:txBody>
       </p:sp>
@@ -23609,16 +25889,15 @@
           </p:cNvPicPr>
           <p:nvPr/>
         </p:nvPicPr>
-        <p:blipFill>
+        <p:blipFill rotWithShape="1">
           <a:blip r:embed="rId3"/>
-          <a:stretch>
-            <a:fillRect/>
-          </a:stretch>
+          <a:srcRect b="257"/>
+          <a:stretch/>
         </p:blipFill>
         <p:spPr>
           <a:xfrm>
             <a:off x="1918068" y="977773"/>
-            <a:ext cx="7079628" cy="3795351"/>
+            <a:ext cx="7079628" cy="3785613"/>
           </a:xfrm>
           <a:prstGeom prst="rect">
             <a:avLst/>
@@ -29826,11 +32105,11 @@
   <a:objectDefaults>
     <a:spDef>
       <a:spPr>
-        <a:solidFill>
-          <a:srgbClr val="00B0F0"/>
-        </a:solidFill>
-        <a:ln>
-          <a:noFill/>
+        <a:noFill/>
+        <a:ln w="28575">
+          <a:solidFill>
+            <a:srgbClr val="FF0000"/>
+          </a:solidFill>
         </a:ln>
       </a:spPr>
       <a:bodyPr rtlCol="0" anchor="ctr"/>
@@ -29841,18 +32120,16 @@
       </a:lstStyle>
       <a:style>
         <a:lnRef idx="2">
-          <a:schemeClr val="accent1">
-            <a:shade val="50000"/>
-          </a:schemeClr>
+          <a:schemeClr val="dk1"/>
         </a:lnRef>
         <a:fillRef idx="1">
-          <a:schemeClr val="accent1"/>
+          <a:schemeClr val="lt1"/>
         </a:fillRef>
         <a:effectRef idx="0">
-          <a:schemeClr val="accent1"/>
+          <a:schemeClr val="dk1"/>
         </a:effectRef>
         <a:fontRef idx="minor">
-          <a:schemeClr val="lt1"/>
+          <a:schemeClr val="dk1"/>
         </a:fontRef>
       </a:style>
     </a:spDef>
